--- a/Doc/day1_2_PerkLabProjectManagement.pptx
+++ b/Doc/day1_2_PerkLabProjectManagement.pptx
@@ -5,7 +5,7 @@
     <p:sldMasterId id="2147483648" r:id="rId1"/>
   </p:sldMasterIdLst>
   <p:notesMasterIdLst>
-    <p:notesMasterId r:id="rId38"/>
+    <p:notesMasterId r:id="rId39"/>
   </p:notesMasterIdLst>
   <p:sldIdLst>
     <p:sldId id="256" r:id="rId2"/>
@@ -44,6 +44,7 @@
     <p:sldId id="503" r:id="rId35"/>
     <p:sldId id="485" r:id="rId36"/>
     <p:sldId id="504" r:id="rId37"/>
+    <p:sldId id="507" r:id="rId38"/>
   </p:sldIdLst>
   <p:sldSz cx="9144000" cy="6858000" type="screen4x3"/>
   <p:notesSz cx="6858000" cy="9144000"/>
@@ -1473,7 +1474,7 @@
             <a:fld id="{A6E16264-6225-448A-8F6B-37C607BF693C}" type="datetimeFigureOut">
               <a:rPr lang="en-CA" smtClean="0"/>
               <a:pPr/>
-              <a:t>2018-04-30</a:t>
+              <a:t>2019-05-01</a:t>
             </a:fld>
             <a:endParaRPr lang="en-CA"/>
           </a:p>
@@ -1924,7 +1925,7 @@
             <a:fld id="{E843F943-FC4A-4610-812B-19459293E20B}" type="datetime1">
               <a:rPr lang="en-CA" smtClean="0"/>
               <a:pPr/>
-              <a:t>2018-04-30</a:t>
+              <a:t>2019-05-01</a:t>
             </a:fld>
             <a:endParaRPr lang="en-CA" dirty="0"/>
           </a:p>
@@ -2223,7 +2224,7 @@
             <a:fld id="{7EC20259-AFA4-42BB-B1F2-1723D3175E09}" type="datetime1">
               <a:rPr lang="en-CA" smtClean="0"/>
               <a:pPr/>
-              <a:t>2018-04-30</a:t>
+              <a:t>2019-05-01</a:t>
             </a:fld>
             <a:endParaRPr lang="en-CA"/>
           </a:p>
@@ -2251,7 +2252,7 @@
           <a:p>
             <a:r>
               <a:rPr lang="en-US" dirty="0"/>
-              <a:t>Laboratory for Percutaneous Surgery (The Perk Lab) – Copyright © Queen’s University, 2012</a:t>
+              <a:t>Laboratory for Percutaneous Surgery (The Perk Lab) – Copyright © Queen’s University, 2019</a:t>
             </a:r>
           </a:p>
         </p:txBody>
@@ -2427,7 +2428,7 @@
             <a:fld id="{7EC20259-AFA4-42BB-B1F2-1723D3175E09}" type="datetime1">
               <a:rPr lang="en-CA" smtClean="0"/>
               <a:pPr/>
-              <a:t>2018-04-30</a:t>
+              <a:t>2019-05-01</a:t>
             </a:fld>
             <a:endParaRPr lang="en-CA"/>
           </a:p>
@@ -2455,7 +2456,7 @@
           <a:p>
             <a:r>
               <a:rPr lang="en-US" dirty="0"/>
-              <a:t>Laboratory for Percutaneous Surgery (The Perk Lab) – Copyright © Queen’s University, 2012</a:t>
+              <a:t>Laboratory for Percutaneous Surgery (The Perk Lab) – Copyright © Queen’s University, 2019</a:t>
             </a:r>
           </a:p>
         </p:txBody>
@@ -2604,10 +2605,10 @@
           <a:lstStyle/>
           <a:p>
             <a:r>
-              <a:rPr lang="en-US"/>
+              <a:rPr lang="en-US" dirty="0"/>
               <a:t>Click to edit Master title style</a:t>
             </a:r>
-            <a:endParaRPr lang="en-CA"/>
+            <a:endParaRPr lang="en-CA" dirty="0"/>
           </a:p>
         </p:txBody>
       </p:sp>
@@ -2709,7 +2710,7 @@
             <a:fld id="{0B273A97-7724-4AE7-A6F1-5A1F5D1DB72A}" type="datetime1">
               <a:rPr lang="en-CA" smtClean="0"/>
               <a:pPr/>
-              <a:t>2018-04-30</a:t>
+              <a:t>2019-05-01</a:t>
             </a:fld>
             <a:endParaRPr lang="en-CA"/>
           </a:p>
@@ -2750,7 +2751,7 @@
           <a:p>
             <a:r>
               <a:rPr lang="en-CA" dirty="0"/>
-              <a:t>Laboratory for Percutaneous Surgery (The Perk Lab) – Copyright © Queen’s University, 2012</a:t>
+              <a:t>Laboratory for Percutaneous Surgery (The Perk Lab) – Copyright © Queen’s University, 2019</a:t>
             </a:r>
           </a:p>
         </p:txBody>
@@ -3322,7 +3323,7 @@
             </a:pPr>
             <a:r>
               <a:rPr lang="en-US" dirty="0"/>
-              <a:t>Laboratory for Percutaneous Surgery (The Perk Lab) – Copyright © Queen’s University, 2018</a:t>
+              <a:t>Laboratory for Percutaneous Surgery (The Perk Lab) – Copyright © Queen’s University, 2019</a:t>
             </a:r>
           </a:p>
         </p:txBody>
@@ -3872,7 +3873,7 @@
           <p:nvPr/>
         </p:nvPicPr>
         <p:blipFill>
-          <a:blip r:embed="rId4">
+          <a:blip r:embed="rId4" cstate="print">
             <a:extLst>
               <a:ext uri="{28A0092B-C50C-407E-A947-70E740481C1C}">
                 <a14:useLocalDpi xmlns:a14="http://schemas.microsoft.com/office/drawing/2010/main" val="0"/>
@@ -4009,7 +4010,7 @@
             </a:pPr>
             <a:r>
               <a:rPr lang="en-US" dirty="0"/>
-              <a:t>Laboratory for Percutaneous Surgery (The Perk Lab) – Copyright © Queen’s University, 2018</a:t>
+              <a:t>Laboratory for Percutaneous Surgery (The Perk Lab) – Copyright © Queen’s University, 2019</a:t>
             </a:r>
           </a:p>
         </p:txBody>
@@ -5559,7 +5560,7 @@
         </p:nvSpPr>
         <p:spPr bwMode="auto">
           <a:xfrm>
-            <a:off x="6816316" y="4291217"/>
+            <a:off x="6816316" y="4474013"/>
             <a:ext cx="2248272" cy="395147"/>
           </a:xfrm>
           <a:prstGeom prst="rect">
@@ -5593,7 +5594,7 @@
                 </a:solidFill>
                 <a:latin typeface="+mn-lt"/>
               </a:rPr>
-              <a:t>Commit / revision (Git)</a:t>
+              <a:t>Commit (Git)</a:t>
             </a:r>
           </a:p>
           <a:p>
@@ -5869,7 +5870,7 @@
             </a:pPr>
             <a:r>
               <a:rPr lang="en-US" dirty="0"/>
-              <a:t>Laboratory for Percutaneous Surgery (The Perk Lab) – Copyright © Queen’s University, 2018</a:t>
+              <a:t>Laboratory for Percutaneous Surgery (The Perk Lab) – Copyright © Queen’s University, 2019</a:t>
             </a:r>
           </a:p>
         </p:txBody>
@@ -6287,7 +6288,7 @@
             </a:pPr>
             <a:r>
               <a:rPr lang="en-US" dirty="0"/>
-              <a:t>Laboratory for Percutaneous Surgery (The Perk Lab) – Copyright © Queen’s University, 2018</a:t>
+              <a:t>Laboratory for Percutaneous Surgery (The Perk Lab) – Copyright © Queen’s University, 2019</a:t>
             </a:r>
           </a:p>
         </p:txBody>
@@ -6348,7 +6349,7 @@
         <p:spPr>
           <a:xfrm>
             <a:off x="323528" y="1052736"/>
-            <a:ext cx="8405188" cy="3600400"/>
+            <a:ext cx="3024336" cy="3600400"/>
           </a:xfrm>
           <a:prstGeom prst="rect">
             <a:avLst/>
@@ -6584,8 +6585,12 @@
               </a:spcAft>
             </a:pPr>
             <a:r>
+              <a:rPr lang="en-CA" b="1" dirty="0"/>
+              <a:t>Why? </a:t>
+            </a:r>
+            <a:r>
               <a:rPr lang="en-CA" dirty="0"/>
-              <a:t>Why?</a:t>
+              <a:t>add as commit comment</a:t>
             </a:r>
           </a:p>
           <a:p>
@@ -7186,7 +7191,7 @@
             </a:pPr>
             <a:r>
               <a:rPr lang="en-US" dirty="0"/>
-              <a:t>Laboratory for Percutaneous Surgery (The Perk Lab) – Copyright © Queen’s University, 2018</a:t>
+              <a:t>Laboratory for Percutaneous Surgery (The Perk Lab) – Copyright © Queen’s University, 2019</a:t>
             </a:r>
           </a:p>
         </p:txBody>
@@ -8307,7 +8312,7 @@
             </a:pPr>
             <a:r>
               <a:rPr lang="en-US" dirty="0"/>
-              <a:t>Laboratory for Percutaneous Surgery (The Perk Lab) – Copyright © Queen’s University, 2018</a:t>
+              <a:t>Laboratory for Percutaneous Surgery (The Perk Lab) – Copyright © Queen’s University, 2019</a:t>
             </a:r>
           </a:p>
         </p:txBody>
@@ -8781,7 +8786,7 @@
             </a:pPr>
             <a:r>
               <a:rPr lang="en-US" dirty="0"/>
-              <a:t>Laboratory for Percutaneous Surgery (The Perk Lab) – Copyright © Queen’s University, 2018</a:t>
+              <a:t>Laboratory for Percutaneous Surgery (The Perk Lab) – Copyright © Queen’s University, 2019</a:t>
             </a:r>
           </a:p>
         </p:txBody>
@@ -9652,7 +9657,7 @@
             </a:pPr>
             <a:r>
               <a:rPr lang="en-US" dirty="0"/>
-              <a:t>Laboratory for Percutaneous Surgery (The Perk Lab) – Copyright © Queen’s University, 2018</a:t>
+              <a:t>Laboratory for Percutaneous Surgery (The Perk Lab) – Copyright © Queen’s University, 2019</a:t>
             </a:r>
           </a:p>
         </p:txBody>
@@ -10061,7 +10066,7 @@
             </a:pPr>
             <a:r>
               <a:rPr lang="en-US" dirty="0"/>
-              <a:t>Laboratory for Percutaneous Surgery (The Perk Lab) – Copyright © Queen’s University, 2018</a:t>
+              <a:t>Laboratory for Percutaneous Surgery (The Perk Lab) – Copyright © Queen’s University, 2019</a:t>
             </a:r>
           </a:p>
         </p:txBody>
@@ -11655,7 +11660,7 @@
             </a:pPr>
             <a:r>
               <a:rPr lang="en-US" dirty="0"/>
-              <a:t>Laboratory for Percutaneous Surgery (The Perk Lab) – Copyright © Queen’s University, 2018</a:t>
+              <a:t>Laboratory for Percutaneous Surgery (The Perk Lab) – Copyright © Queen’s University, 2019</a:t>
             </a:r>
           </a:p>
         </p:txBody>
@@ -11847,7 +11852,7 @@
               <a:t>Open repository webpage: </a:t>
             </a:r>
             <a:r>
-              <a:rPr lang="en-CA" dirty="0">
+              <a:rPr lang="en-US" dirty="0">
                 <a:hlinkClick r:id="rId3"/>
               </a:rPr>
               <a:t>https://github.com/PerkLab/BootcampSandbox</a:t>
@@ -12103,7 +12108,7 @@
             </a:pPr>
             <a:r>
               <a:rPr lang="en-US" dirty="0"/>
-              <a:t>Laboratory for Percutaneous Surgery (The Perk Lab) – Copyright © Queen’s University, 2018</a:t>
+              <a:t>Laboratory for Percutaneous Surgery (The Perk Lab) – Copyright © Queen’s University, 2019</a:t>
             </a:r>
           </a:p>
         </p:txBody>
@@ -12559,7 +12564,7 @@
             </a:pPr>
             <a:r>
               <a:rPr lang="en-US" dirty="0"/>
-              <a:t>Laboratory for Percutaneous Surgery (The Perk Lab) – Copyright © Queen’s University, 2018</a:t>
+              <a:t>Laboratory for Percutaneous Surgery (The Perk Lab) – Copyright © Queen’s University, 2019</a:t>
             </a:r>
           </a:p>
         </p:txBody>
@@ -12896,7 +12901,7 @@
             </a:pPr>
             <a:r>
               <a:rPr lang="en-US" dirty="0"/>
-              <a:t>Laboratory for Percutaneous Surgery (The Perk Lab) – Copyright © Queen’s University, 2018</a:t>
+              <a:t>Laboratory for Percutaneous Surgery (The Perk Lab) – Copyright © Queen’s University, 2019</a:t>
             </a:r>
           </a:p>
         </p:txBody>
@@ -13263,7 +13268,7 @@
             </a:pPr>
             <a:r>
               <a:rPr lang="en-US" dirty="0"/>
-              <a:t>Laboratory for Percutaneous Surgery (The Perk Lab) – Copyright © Queen’s University, 2018</a:t>
+              <a:t>Laboratory for Percutaneous Surgery (The Perk Lab) – Copyright © Queen’s University, 2019</a:t>
             </a:r>
           </a:p>
         </p:txBody>
@@ -13599,7 +13604,7 @@
             </a:pPr>
             <a:r>
               <a:rPr lang="en-US" dirty="0"/>
-              <a:t>Laboratory for Percutaneous Surgery (The Perk Lab) – Copyright © Queen’s University, 2017</a:t>
+              <a:t>Laboratory for Percutaneous Surgery (The Perk Lab) – Copyright © Queen’s University, 2019</a:t>
             </a:r>
           </a:p>
         </p:txBody>
@@ -13666,7 +13671,7 @@
           <p:nvPr/>
         </p:nvPicPr>
         <p:blipFill>
-          <a:blip r:embed="rId2">
+          <a:blip r:embed="rId2" cstate="print">
             <a:extLst>
               <a:ext uri="{28A0092B-C50C-407E-A947-70E740481C1C}">
                 <a14:useLocalDpi xmlns:a14="http://schemas.microsoft.com/office/drawing/2010/main" val="0"/>
@@ -13900,7 +13905,7 @@
             </a:pPr>
             <a:r>
               <a:rPr lang="en-US" dirty="0"/>
-              <a:t>Laboratory for Percutaneous Surgery (The Perk Lab) – Copyright © Queen’s University, 2017</a:t>
+              <a:t>Laboratory for Percutaneous Surgery (The Perk Lab) – Copyright © Queen’s University, 2019</a:t>
             </a:r>
           </a:p>
         </p:txBody>
@@ -14473,7 +14478,7 @@
             </a:pPr>
             <a:r>
               <a:rPr lang="en-US" dirty="0"/>
-              <a:t>Laboratory for Percutaneous Surgery (The Perk Lab) – Copyright © Queen’s University, 2017</a:t>
+              <a:t>Laboratory for Percutaneous Surgery (The Perk Lab) – Copyright © Queen’s University, 2019</a:t>
             </a:r>
           </a:p>
         </p:txBody>
@@ -14795,7 +14800,7 @@
             </a:pPr>
             <a:r>
               <a:rPr lang="en-US" dirty="0"/>
-              <a:t>Laboratory for Percutaneous Surgery (The Perk Lab) – Copyright © Queen’s University, 2018</a:t>
+              <a:t>Laboratory for Percutaneous Surgery (The Perk Lab) – Copyright © Queen’s University, 2019</a:t>
             </a:r>
           </a:p>
         </p:txBody>
@@ -14995,7 +15000,7 @@
           <p:nvPr/>
         </p:nvPicPr>
         <p:blipFill>
-          <a:blip r:embed="rId4">
+          <a:blip r:embed="rId4" cstate="print">
             <a:extLst>
               <a:ext uri="{28A0092B-C50C-407E-A947-70E740481C1C}">
                 <a14:useLocalDpi xmlns:a14="http://schemas.microsoft.com/office/drawing/2010/main" val="0"/>
@@ -15160,7 +15165,7 @@
             </a:pPr>
             <a:r>
               <a:rPr lang="en-US" dirty="0"/>
-              <a:t>Laboratory for Percutaneous Surgery (The Perk Lab) – Copyright © Queen’s University, 2017</a:t>
+              <a:t>Laboratory for Percutaneous Surgery (The Perk Lab) – Copyright © Queen’s University, 2019</a:t>
             </a:r>
           </a:p>
         </p:txBody>
@@ -15607,10 +15612,15 @@
             <p:ph idx="1"/>
           </p:nvPr>
         </p:nvSpPr>
-        <p:spPr/>
+        <p:spPr>
+          <a:xfrm>
+            <a:off x="457200" y="1196752"/>
+            <a:ext cx="8229600" cy="4929411"/>
+          </a:xfrm>
+        </p:spPr>
         <p:txBody>
           <a:bodyPr>
-            <a:normAutofit fontScale="40000" lnSpcReduction="20000"/>
+            <a:normAutofit fontScale="92500" lnSpcReduction="20000"/>
           </a:bodyPr>
           <a:lstStyle/>
           <a:p>
@@ -15632,15 +15642,6 @@
             </a:r>
           </a:p>
           <a:p>
-            <a:pPr marL="0" indent="0">
-              <a:buNone/>
-            </a:pPr>
-            <a:endParaRPr lang="en-US" sz="1800" dirty="0">
-              <a:latin typeface="Courier New" panose="02070309020205020404" pitchFamily="49" charset="0"/>
-              <a:cs typeface="Courier New" panose="02070309020205020404" pitchFamily="49" charset="0"/>
-            </a:endParaRPr>
-          </a:p>
-          <a:p>
             <a:r>
               <a:rPr lang="en-US" dirty="0"/>
               <a:t>Now we want to stage our changes to be committed. To add everything use:</a:t>
@@ -15659,15 +15660,6 @@
             </a:r>
           </a:p>
           <a:p>
-            <a:pPr marL="0" indent="0">
-              <a:buNone/>
-            </a:pPr>
-            <a:endParaRPr lang="en-US" sz="1800" dirty="0">
-              <a:latin typeface="Courier New" panose="02070309020205020404" pitchFamily="49" charset="0"/>
-              <a:cs typeface="Courier New" panose="02070309020205020404" pitchFamily="49" charset="0"/>
-            </a:endParaRPr>
-          </a:p>
-          <a:p>
             <a:r>
               <a:rPr lang="en-US" dirty="0"/>
               <a:t>Or, to add only specific files, use:</a:t>
@@ -15684,15 +15676,6 @@
               </a:rPr>
               <a:t>git add &lt;filename&gt;</a:t>
             </a:r>
-          </a:p>
-          <a:p>
-            <a:pPr marL="0" indent="0">
-              <a:buNone/>
-            </a:pPr>
-            <a:endParaRPr lang="en-US" sz="1800" dirty="0">
-              <a:latin typeface="Courier New" panose="02070309020205020404" pitchFamily="49" charset="0"/>
-              <a:cs typeface="Courier New" panose="02070309020205020404" pitchFamily="49" charset="0"/>
-            </a:endParaRPr>
           </a:p>
           <a:p>
             <a:r>
@@ -15730,7 +15713,12 @@
             <p:ph type="ftr" sz="quarter" idx="10"/>
           </p:nvPr>
         </p:nvSpPr>
-        <p:spPr/>
+        <p:spPr>
+          <a:xfrm>
+            <a:off x="1763688" y="6356350"/>
+            <a:ext cx="7128792" cy="365125"/>
+          </a:xfrm>
+        </p:spPr>
         <p:txBody>
           <a:bodyPr/>
           <a:lstStyle/>
@@ -15739,10 +15727,9 @@
               <a:defRPr/>
             </a:pPr>
             <a:r>
-              <a:rPr lang="en-US"/>
-              <a:t>Laboratory for Percutaneous Surgery (The Perk Lab) – Copyright © Queen’s University, 2017</a:t>
-            </a:r>
-            <a:endParaRPr lang="en-US" dirty="0"/>
+              <a:rPr lang="en-US" dirty="0"/>
+              <a:t>Laboratory for Percutaneous Surgery (The Perk Lab) – Copyright © Queen’s University, 2019</a:t>
+            </a:r>
           </a:p>
         </p:txBody>
       </p:sp>
@@ -15762,7 +15749,12 @@
             <p:ph type="sldNum" sz="quarter" idx="11"/>
           </p:nvPr>
         </p:nvSpPr>
-        <p:spPr/>
+        <p:spPr>
+          <a:xfrm>
+            <a:off x="179512" y="6356350"/>
+            <a:ext cx="2232248" cy="365125"/>
+          </a:xfrm>
+        </p:spPr>
         <p:txBody>
           <a:bodyPr/>
           <a:lstStyle/>
@@ -15771,7 +15763,7 @@
               <a:defRPr/>
             </a:pPr>
             <a:r>
-              <a:rPr lang="en-US"/>
+              <a:rPr lang="en-US" dirty="0"/>
               <a:t>- </a:t>
             </a:r>
             <a:fld id="{9FCF0F87-2AA1-4A75-81C9-3ACA5C735B30}" type="slidenum">
@@ -15782,7 +15774,7 @@
               <a:t>28</a:t>
             </a:fld>
             <a:r>
-              <a:rPr lang="en-US"/>
+              <a:rPr lang="en-US" dirty="0"/>
               <a:t> -</a:t>
             </a:r>
           </a:p>
@@ -15904,7 +15896,7 @@
             </a:pPr>
             <a:r>
               <a:rPr lang="en-US" dirty="0"/>
-              <a:t>Laboratory for Percutaneous Surgery (The Perk Lab) – Copyright © Queen’s University, 2018</a:t>
+              <a:t>Laboratory for Percutaneous Surgery (The Perk Lab) – Copyright © Queen’s University, 2019</a:t>
             </a:r>
           </a:p>
         </p:txBody>
@@ -17095,7 +17087,12 @@
             <p:ph type="ftr" sz="quarter" idx="11"/>
           </p:nvPr>
         </p:nvSpPr>
-        <p:spPr/>
+        <p:spPr>
+          <a:xfrm>
+            <a:off x="2123728" y="6356350"/>
+            <a:ext cx="6552728" cy="365125"/>
+          </a:xfrm>
+        </p:spPr>
         <p:txBody>
           <a:bodyPr/>
           <a:lstStyle/>
@@ -17105,7 +17102,7 @@
             </a:pPr>
             <a:r>
               <a:rPr lang="en-US" dirty="0"/>
-              <a:t>Laboratory for Percutaneous Surgery (The Perk Lab) – Copyright © Queen’s University, 2018</a:t>
+              <a:t>Laboratory for Percutaneous Surgery (The Perk Lab) – Copyright © Queen’s University, 2019</a:t>
             </a:r>
           </a:p>
         </p:txBody>
@@ -17142,7 +17139,7 @@
             </a:pPr>
             <a:r>
               <a:rPr lang="en-CA" dirty="0"/>
-              <a:t>Frequently changing, temporary information (short-term planning, administration), not for archival =&gt; issue tracker, project board</a:t>
+              <a:t>Frequently changing, temporary information (short-term planning, administration), not for archival =&gt; issue tracker, project board, dropbox</a:t>
             </a:r>
           </a:p>
           <a:p>
@@ -17218,7 +17215,7 @@
             </a:pPr>
             <a:r>
               <a:rPr lang="en-CA" dirty="0"/>
-              <a:t>Key papers, presentations create for the project =&gt; Doc subfolder in source code repository, in editable format (Word, PowerPoint); avoid large binary files, frequent updates</a:t>
+              <a:t>Key papers, presentations create for the project =&gt; Doc subfolder in source code repository, in editable format (Word, PowerPoint); avoid large binary files and frequent updates</a:t>
             </a:r>
           </a:p>
         </p:txBody>
@@ -17339,7 +17336,7 @@
             </a:pPr>
             <a:r>
               <a:rPr lang="en-US" dirty="0"/>
-              <a:t>Laboratory for Percutaneous Surgery (The Perk Lab) – Copyright © Queen’s University, 2018</a:t>
+              <a:t>Laboratory for Percutaneous Surgery (The Perk Lab) – Copyright © Queen’s University, 2019</a:t>
             </a:r>
           </a:p>
         </p:txBody>
@@ -17573,13 +17570,16 @@
             </a:pPr>
             <a:r>
               <a:rPr lang="en-US" dirty="0"/>
-              <a:t>Go to the list of commits in </a:t>
-            </a:r>
-            <a:r>
-              <a:rPr lang="en-US" dirty="0" err="1"/>
-              <a:t>Assembla</a:t>
-            </a:r>
-            <a:endParaRPr lang="en-US" dirty="0"/>
+              <a:t>Open the pull request, go to </a:t>
+            </a:r>
+            <a:r>
+              <a:rPr lang="en-US" i="1" dirty="0"/>
+              <a:t>Files changed </a:t>
+            </a:r>
+            <a:r>
+              <a:rPr lang="en-US" dirty="0"/>
+              <a:t>tab</a:t>
+            </a:r>
           </a:p>
           <a:p>
             <a:pPr>
@@ -17592,7 +17592,7 @@
             </a:pPr>
             <a:r>
               <a:rPr lang="en-US" dirty="0"/>
-              <a:t>Click on the green [+] icon in the source code</a:t>
+              <a:t>Hover over the line that you want to comment on, click on [+] icon in the source code</a:t>
             </a:r>
           </a:p>
           <a:p>
@@ -17606,7 +17606,21 @@
             </a:pPr>
             <a:r>
               <a:rPr lang="en-US" dirty="0"/>
-              <a:t>The author will be notified</a:t>
+              <a:t>The author</a:t>
+            </a:r>
+            <a:br>
+              <a:rPr lang="en-US" dirty="0"/>
+            </a:br>
+            <a:r>
+              <a:rPr lang="en-US" dirty="0"/>
+              <a:t>will be</a:t>
+            </a:r>
+            <a:br>
+              <a:rPr lang="en-US" dirty="0"/>
+            </a:br>
+            <a:r>
+              <a:rPr lang="en-US" dirty="0"/>
+              <a:t>notified</a:t>
             </a:r>
           </a:p>
           <a:p>
@@ -17624,43 +17638,32 @@
       </p:sp>
       <p:pic>
         <p:nvPicPr>
-          <p:cNvPr id="1026" name="Picture 2" descr="C:\Users\lasso\AppData\Local\Temp\SNAGHTML9ea9427.PNG"/>
+          <p:cNvPr id="2" name="Picture 1">
+            <a:extLst>
+              <a:ext uri="{FF2B5EF4-FFF2-40B4-BE49-F238E27FC236}">
+                <a16:creationId xmlns:a16="http://schemas.microsoft.com/office/drawing/2014/main" id="{F6C764B5-ACA0-457D-9601-9901E4A27E1F}"/>
+              </a:ext>
+            </a:extLst>
+          </p:cNvPr>
           <p:cNvPicPr>
-            <a:picLocks noChangeAspect="1" noChangeArrowheads="1"/>
+            <a:picLocks noChangeAspect="1"/>
           </p:cNvPicPr>
           <p:nvPr/>
         </p:nvPicPr>
         <p:blipFill>
-          <a:blip r:embed="rId2">
-            <a:extLst>
-              <a:ext uri="{28A0092B-C50C-407E-A947-70E740481C1C}">
-                <a14:useLocalDpi xmlns:a14="http://schemas.microsoft.com/office/drawing/2010/main" val="0"/>
-              </a:ext>
-            </a:extLst>
-          </a:blip>
-          <a:srcRect/>
+          <a:blip r:embed="rId2"/>
           <a:stretch>
             <a:fillRect/>
           </a:stretch>
         </p:blipFill>
-        <p:spPr bwMode="auto">
-          <a:xfrm>
-            <a:off x="1902520" y="2492896"/>
-            <a:ext cx="5367091" cy="3733942"/>
+        <p:spPr>
+          <a:xfrm>
+            <a:off x="2702873" y="2400176"/>
+            <a:ext cx="5976664" cy="3857052"/>
           </a:xfrm>
           <a:prstGeom prst="rect">
             <a:avLst/>
           </a:prstGeom>
-          <a:noFill/>
-          <a:extLst>
-            <a:ext uri="{909E8E84-426E-40DD-AFC4-6F175D3DCCD1}">
-              <a14:hiddenFill xmlns:a14="http://schemas.microsoft.com/office/drawing/2010/main">
-                <a:solidFill>
-                  <a:srgbClr val="FFFFFF"/>
-                </a:solidFill>
-              </a14:hiddenFill>
-            </a:ext>
-          </a:extLst>
         </p:spPr>
       </p:pic>
     </p:spTree>
@@ -17808,7 +17811,7 @@
             </a:pPr>
             <a:r>
               <a:rPr lang="en-US" dirty="0"/>
-              <a:t>Laboratory for Percutaneous Surgery (The Perk Lab) – Copyright © Queen’s University, 2018</a:t>
+              <a:t>Laboratory for Percutaneous Surgery (The Perk Lab) – Copyright © Queen’s University, 2019</a:t>
             </a:r>
           </a:p>
         </p:txBody>
@@ -18655,7 +18658,7 @@
             </a:pPr>
             <a:r>
               <a:rPr lang="en-US" dirty="0"/>
-              <a:t>Laboratory for Percutaneous Surgery (The Perk Lab) – Copyright © Queen’s University, 2018</a:t>
+              <a:t>Laboratory for Percutaneous Surgery (The Perk Lab) – Copyright © Queen’s University, 2019</a:t>
             </a:r>
           </a:p>
         </p:txBody>
@@ -19507,7 +19510,7 @@
             </a:pPr>
             <a:r>
               <a:rPr lang="en-US" dirty="0"/>
-              <a:t>Laboratory for Percutaneous Surgery (The Perk Lab) – Copyright © Queen’s University, 2018</a:t>
+              <a:t>Laboratory for Percutaneous Surgery (The Perk Lab) – Copyright © Queen’s University, 2019</a:t>
             </a:r>
           </a:p>
         </p:txBody>
@@ -20343,7 +20346,7 @@
             </a:pPr>
             <a:r>
               <a:rPr lang="en-US" dirty="0"/>
-              <a:t>Laboratory for Percutaneous Surgery (The Perk Lab) – Copyright © Queen’s University, 2018</a:t>
+              <a:t>Laboratory for Percutaneous Surgery (The Perk Lab) – Copyright © Queen’s University, 2019</a:t>
             </a:r>
           </a:p>
         </p:txBody>
@@ -20917,7 +20920,7 @@
             </a:pPr>
             <a:r>
               <a:rPr lang="en-US" dirty="0"/>
-              <a:t>Laboratory for Percutaneous Surgery (The Perk Lab) – Copyright © Queen’s University, 2018</a:t>
+              <a:t>Laboratory for Percutaneous Surgery (The Perk Lab) – Copyright © Queen’s University, 2019</a:t>
             </a:r>
           </a:p>
         </p:txBody>
@@ -21394,7 +21397,7 @@
             </a:pPr>
             <a:r>
               <a:rPr lang="en-US" dirty="0"/>
-              <a:t>Laboratory for Percutaneous Surgery (The Perk Lab) – Copyright © Queen’s University, 2018</a:t>
+              <a:t>Laboratory for Percutaneous Surgery (The Perk Lab) – Copyright © Queen’s University, 2019</a:t>
             </a:r>
           </a:p>
         </p:txBody>
@@ -21488,8 +21491,8 @@
         </p:nvSpPr>
         <p:spPr bwMode="auto">
           <a:xfrm>
-            <a:off x="3512850" y="1354521"/>
-            <a:ext cx="2715334" cy="432048"/>
+            <a:off x="2782285" y="1354521"/>
+            <a:ext cx="4176464" cy="432048"/>
           </a:xfrm>
           <a:prstGeom prst="rect">
             <a:avLst/>
@@ -21531,7 +21534,25 @@
                 </a:solidFill>
                 <a:latin typeface="+mn-lt"/>
               </a:rPr>
-              <a:t>/Sandbox</a:t>
+              <a:t>/Sandbox (</a:t>
+            </a:r>
+            <a:r>
+              <a:rPr lang="en-CA" sz="1600" i="1" kern="0" dirty="0">
+                <a:solidFill>
+                  <a:srgbClr val="C00000"/>
+                </a:solidFill>
+                <a:latin typeface="+mn-lt"/>
+              </a:rPr>
+              <a:t>upstream</a:t>
+            </a:r>
+            <a:r>
+              <a:rPr lang="en-CA" sz="1600" kern="0" dirty="0">
+                <a:solidFill>
+                  <a:srgbClr val="C00000"/>
+                </a:solidFill>
+                <a:latin typeface="+mn-lt"/>
+              </a:rPr>
+              <a:t>)</a:t>
             </a:r>
           </a:p>
         </p:txBody>
@@ -21976,8 +21997,8 @@
         </p:nvSpPr>
         <p:spPr bwMode="auto">
           <a:xfrm>
-            <a:off x="2586999" y="3048395"/>
-            <a:ext cx="1269701" cy="432048"/>
+            <a:off x="2587000" y="2996952"/>
+            <a:ext cx="936104" cy="432048"/>
           </a:xfrm>
           <a:prstGeom prst="rect">
             <a:avLst/>
@@ -22015,15 +22036,12 @@
               </a:rPr>
               <a:t>Clone</a:t>
             </a:r>
-            <a:r>
-              <a:rPr lang="en-CA" sz="1600" i="1" kern="0" dirty="0">
-                <a:solidFill>
-                  <a:srgbClr val="C00000"/>
-                </a:solidFill>
-                <a:latin typeface="+mn-lt"/>
-              </a:rPr>
-              <a:t>/Pull</a:t>
-            </a:r>
+            <a:endParaRPr lang="en-CA" sz="1600" i="1" kern="0" dirty="0">
+              <a:solidFill>
+                <a:srgbClr val="C00000"/>
+              </a:solidFill>
+              <a:latin typeface="+mn-lt"/>
+            </a:endParaRPr>
           </a:p>
         </p:txBody>
       </p:sp>
@@ -23062,10 +23080,1450 @@
           </a:p>
         </p:txBody>
       </p:sp>
+      <p:sp>
+        <p:nvSpPr>
+          <p:cNvPr id="46" name="Content Placeholder 2">
+            <a:extLst>
+              <a:ext uri="{FF2B5EF4-FFF2-40B4-BE49-F238E27FC236}">
+                <a16:creationId xmlns:a16="http://schemas.microsoft.com/office/drawing/2014/main" id="{C9AFABCD-A7B2-4506-8789-52E2F5776FDB}"/>
+              </a:ext>
+            </a:extLst>
+          </p:cNvPr>
+          <p:cNvSpPr txBox="1">
+            <a:spLocks/>
+          </p:cNvSpPr>
+          <p:nvPr/>
+        </p:nvSpPr>
+        <p:spPr bwMode="auto">
+          <a:xfrm>
+            <a:off x="2669830" y="3212862"/>
+            <a:ext cx="627719" cy="432048"/>
+          </a:xfrm>
+          <a:prstGeom prst="rect">
+            <a:avLst/>
+          </a:prstGeom>
+          <a:noFill/>
+          <a:ln w="9525">
+            <a:noFill/>
+            <a:miter lim="800000"/>
+            <a:headEnd/>
+            <a:tailEnd/>
+          </a:ln>
+        </p:spPr>
+        <p:txBody>
+          <a:bodyPr lIns="0" tIns="0" rIns="0" bIns="0"/>
+          <a:lstStyle/>
+          <a:p>
+            <a:pPr marL="363538" indent="-363538" algn="ctr" eaLnBrk="0" hangingPunct="0">
+              <a:spcBef>
+                <a:spcPct val="20000"/>
+              </a:spcBef>
+              <a:tabLst>
+                <a:tab pos="230188" algn="l"/>
+              </a:tabLst>
+              <a:defRPr/>
+            </a:pPr>
+            <a:r>
+              <a:rPr lang="en-CA" sz="1600" i="1" kern="0" dirty="0">
+                <a:solidFill>
+                  <a:srgbClr val="C00000"/>
+                </a:solidFill>
+                <a:latin typeface="+mn-lt"/>
+              </a:rPr>
+              <a:t>Pull</a:t>
+            </a:r>
+          </a:p>
+        </p:txBody>
+      </p:sp>
     </p:spTree>
     <p:extLst>
       <p:ext uri="{BB962C8B-B14F-4D97-AF65-F5344CB8AC3E}">
         <p14:creationId xmlns:p14="http://schemas.microsoft.com/office/powerpoint/2010/main" val="490673500"/>
+      </p:ext>
+    </p:extLst>
+  </p:cSld>
+  <p:clrMapOvr>
+    <a:masterClrMapping/>
+  </p:clrMapOvr>
+  <p:timing>
+    <p:tnLst>
+      <p:par>
+        <p:cTn id="1" dur="indefinite" restart="never" nodeType="tmRoot">
+          <p:childTnLst>
+            <p:seq concurrent="1" nextAc="seek">
+              <p:cTn id="2" dur="indefinite" nodeType="mainSeq">
+                <p:childTnLst>
+                  <p:par>
+                    <p:cTn id="3" fill="hold">
+                      <p:stCondLst>
+                        <p:cond delay="indefinite"/>
+                      </p:stCondLst>
+                      <p:childTnLst>
+                        <p:par>
+                          <p:cTn id="4" fill="hold">
+                            <p:stCondLst>
+                              <p:cond delay="0"/>
+                            </p:stCondLst>
+                            <p:childTnLst>
+                              <p:par>
+                                <p:cTn id="5" presetID="45" presetClass="entr" presetSubtype="0" fill="hold" grpId="0" nodeType="clickEffect">
+                                  <p:stCondLst>
+                                    <p:cond delay="0"/>
+                                  </p:stCondLst>
+                                  <p:childTnLst>
+                                    <p:set>
+                                      <p:cBhvr>
+                                        <p:cTn id="6" dur="1" fill="hold">
+                                          <p:stCondLst>
+                                            <p:cond delay="0"/>
+                                          </p:stCondLst>
+                                        </p:cTn>
+                                        <p:tgtEl>
+                                          <p:spTgt spid="50"/>
+                                        </p:tgtEl>
+                                        <p:attrNameLst>
+                                          <p:attrName>style.visibility</p:attrName>
+                                        </p:attrNameLst>
+                                      </p:cBhvr>
+                                      <p:to>
+                                        <p:strVal val="visible"/>
+                                      </p:to>
+                                    </p:set>
+                                    <p:animEffect transition="in" filter="fade">
+                                      <p:cBhvr>
+                                        <p:cTn id="7" dur="2000"/>
+                                        <p:tgtEl>
+                                          <p:spTgt spid="50"/>
+                                        </p:tgtEl>
+                                      </p:cBhvr>
+                                    </p:animEffect>
+                                    <p:anim calcmode="lin" valueType="num">
+                                      <p:cBhvr>
+                                        <p:cTn id="8" dur="2000" fill="hold"/>
+                                        <p:tgtEl>
+                                          <p:spTgt spid="50"/>
+                                        </p:tgtEl>
+                                        <p:attrNameLst>
+                                          <p:attrName>ppt_w</p:attrName>
+                                        </p:attrNameLst>
+                                      </p:cBhvr>
+                                      <p:tavLst>
+                                        <p:tav tm="0" fmla="#ppt_w*sin(2.5*pi*$)">
+                                          <p:val>
+                                            <p:fltVal val="0"/>
+                                          </p:val>
+                                        </p:tav>
+                                        <p:tav tm="100000">
+                                          <p:val>
+                                            <p:fltVal val="1"/>
+                                          </p:val>
+                                        </p:tav>
+                                      </p:tavLst>
+                                    </p:anim>
+                                    <p:anim calcmode="lin" valueType="num">
+                                      <p:cBhvr>
+                                        <p:cTn id="9" dur="2000" fill="hold"/>
+                                        <p:tgtEl>
+                                          <p:spTgt spid="50"/>
+                                        </p:tgtEl>
+                                        <p:attrNameLst>
+                                          <p:attrName>ppt_h</p:attrName>
+                                        </p:attrNameLst>
+                                      </p:cBhvr>
+                                      <p:tavLst>
+                                        <p:tav tm="0">
+                                          <p:val>
+                                            <p:strVal val="#ppt_h"/>
+                                          </p:val>
+                                        </p:tav>
+                                        <p:tav tm="100000">
+                                          <p:val>
+                                            <p:strVal val="#ppt_h"/>
+                                          </p:val>
+                                        </p:tav>
+                                      </p:tavLst>
+                                    </p:anim>
+                                  </p:childTnLst>
+                                </p:cTn>
+                              </p:par>
+                            </p:childTnLst>
+                          </p:cTn>
+                        </p:par>
+                      </p:childTnLst>
+                    </p:cTn>
+                  </p:par>
+                  <p:par>
+                    <p:cTn id="10" fill="hold">
+                      <p:stCondLst>
+                        <p:cond delay="indefinite"/>
+                      </p:stCondLst>
+                      <p:childTnLst>
+                        <p:par>
+                          <p:cTn id="11" fill="hold">
+                            <p:stCondLst>
+                              <p:cond delay="0"/>
+                            </p:stCondLst>
+                            <p:childTnLst>
+                              <p:par>
+                                <p:cTn id="12" presetID="45" presetClass="entr" presetSubtype="0" fill="hold" grpId="0" nodeType="clickEffect">
+                                  <p:stCondLst>
+                                    <p:cond delay="0"/>
+                                  </p:stCondLst>
+                                  <p:childTnLst>
+                                    <p:set>
+                                      <p:cBhvr>
+                                        <p:cTn id="13" dur="1" fill="hold">
+                                          <p:stCondLst>
+                                            <p:cond delay="0"/>
+                                          </p:stCondLst>
+                                        </p:cTn>
+                                        <p:tgtEl>
+                                          <p:spTgt spid="55"/>
+                                        </p:tgtEl>
+                                        <p:attrNameLst>
+                                          <p:attrName>style.visibility</p:attrName>
+                                        </p:attrNameLst>
+                                      </p:cBhvr>
+                                      <p:to>
+                                        <p:strVal val="visible"/>
+                                      </p:to>
+                                    </p:set>
+                                    <p:animEffect transition="in" filter="fade">
+                                      <p:cBhvr>
+                                        <p:cTn id="14" dur="2000"/>
+                                        <p:tgtEl>
+                                          <p:spTgt spid="55"/>
+                                        </p:tgtEl>
+                                      </p:cBhvr>
+                                    </p:animEffect>
+                                    <p:anim calcmode="lin" valueType="num">
+                                      <p:cBhvr>
+                                        <p:cTn id="15" dur="2000" fill="hold"/>
+                                        <p:tgtEl>
+                                          <p:spTgt spid="55"/>
+                                        </p:tgtEl>
+                                        <p:attrNameLst>
+                                          <p:attrName>ppt_w</p:attrName>
+                                        </p:attrNameLst>
+                                      </p:cBhvr>
+                                      <p:tavLst>
+                                        <p:tav tm="0" fmla="#ppt_w*sin(2.5*pi*$)">
+                                          <p:val>
+                                            <p:fltVal val="0"/>
+                                          </p:val>
+                                        </p:tav>
+                                        <p:tav tm="100000">
+                                          <p:val>
+                                            <p:fltVal val="1"/>
+                                          </p:val>
+                                        </p:tav>
+                                      </p:tavLst>
+                                    </p:anim>
+                                    <p:anim calcmode="lin" valueType="num">
+                                      <p:cBhvr>
+                                        <p:cTn id="16" dur="2000" fill="hold"/>
+                                        <p:tgtEl>
+                                          <p:spTgt spid="55"/>
+                                        </p:tgtEl>
+                                        <p:attrNameLst>
+                                          <p:attrName>ppt_h</p:attrName>
+                                        </p:attrNameLst>
+                                      </p:cBhvr>
+                                      <p:tavLst>
+                                        <p:tav tm="0">
+                                          <p:val>
+                                            <p:strVal val="#ppt_h"/>
+                                          </p:val>
+                                        </p:tav>
+                                        <p:tav tm="100000">
+                                          <p:val>
+                                            <p:strVal val="#ppt_h"/>
+                                          </p:val>
+                                        </p:tav>
+                                      </p:tavLst>
+                                    </p:anim>
+                                  </p:childTnLst>
+                                </p:cTn>
+                              </p:par>
+                            </p:childTnLst>
+                          </p:cTn>
+                        </p:par>
+                      </p:childTnLst>
+                    </p:cTn>
+                  </p:par>
+                  <p:par>
+                    <p:cTn id="17" fill="hold">
+                      <p:stCondLst>
+                        <p:cond delay="indefinite"/>
+                      </p:stCondLst>
+                      <p:childTnLst>
+                        <p:par>
+                          <p:cTn id="18" fill="hold">
+                            <p:stCondLst>
+                              <p:cond delay="0"/>
+                            </p:stCondLst>
+                            <p:childTnLst>
+                              <p:par>
+                                <p:cTn id="19" presetID="45" presetClass="entr" presetSubtype="0" fill="hold" grpId="0" nodeType="clickEffect">
+                                  <p:stCondLst>
+                                    <p:cond delay="0"/>
+                                  </p:stCondLst>
+                                  <p:childTnLst>
+                                    <p:set>
+                                      <p:cBhvr>
+                                        <p:cTn id="20" dur="1" fill="hold">
+                                          <p:stCondLst>
+                                            <p:cond delay="0"/>
+                                          </p:stCondLst>
+                                        </p:cTn>
+                                        <p:tgtEl>
+                                          <p:spTgt spid="48"/>
+                                        </p:tgtEl>
+                                        <p:attrNameLst>
+                                          <p:attrName>style.visibility</p:attrName>
+                                        </p:attrNameLst>
+                                      </p:cBhvr>
+                                      <p:to>
+                                        <p:strVal val="visible"/>
+                                      </p:to>
+                                    </p:set>
+                                    <p:animEffect transition="in" filter="fade">
+                                      <p:cBhvr>
+                                        <p:cTn id="21" dur="2000"/>
+                                        <p:tgtEl>
+                                          <p:spTgt spid="48"/>
+                                        </p:tgtEl>
+                                      </p:cBhvr>
+                                    </p:animEffect>
+                                    <p:anim calcmode="lin" valueType="num">
+                                      <p:cBhvr>
+                                        <p:cTn id="22" dur="2000" fill="hold"/>
+                                        <p:tgtEl>
+                                          <p:spTgt spid="48"/>
+                                        </p:tgtEl>
+                                        <p:attrNameLst>
+                                          <p:attrName>ppt_w</p:attrName>
+                                        </p:attrNameLst>
+                                      </p:cBhvr>
+                                      <p:tavLst>
+                                        <p:tav tm="0" fmla="#ppt_w*sin(2.5*pi*$)">
+                                          <p:val>
+                                            <p:fltVal val="0"/>
+                                          </p:val>
+                                        </p:tav>
+                                        <p:tav tm="100000">
+                                          <p:val>
+                                            <p:fltVal val="1"/>
+                                          </p:val>
+                                        </p:tav>
+                                      </p:tavLst>
+                                    </p:anim>
+                                    <p:anim calcmode="lin" valueType="num">
+                                      <p:cBhvr>
+                                        <p:cTn id="23" dur="2000" fill="hold"/>
+                                        <p:tgtEl>
+                                          <p:spTgt spid="48"/>
+                                        </p:tgtEl>
+                                        <p:attrNameLst>
+                                          <p:attrName>ppt_h</p:attrName>
+                                        </p:attrNameLst>
+                                      </p:cBhvr>
+                                      <p:tavLst>
+                                        <p:tav tm="0">
+                                          <p:val>
+                                            <p:strVal val="#ppt_h"/>
+                                          </p:val>
+                                        </p:tav>
+                                        <p:tav tm="100000">
+                                          <p:val>
+                                            <p:strVal val="#ppt_h"/>
+                                          </p:val>
+                                        </p:tav>
+                                      </p:tavLst>
+                                    </p:anim>
+                                  </p:childTnLst>
+                                </p:cTn>
+                              </p:par>
+                            </p:childTnLst>
+                          </p:cTn>
+                        </p:par>
+                      </p:childTnLst>
+                    </p:cTn>
+                  </p:par>
+                  <p:par>
+                    <p:cTn id="24" fill="hold">
+                      <p:stCondLst>
+                        <p:cond delay="indefinite"/>
+                      </p:stCondLst>
+                      <p:childTnLst>
+                        <p:par>
+                          <p:cTn id="25" fill="hold">
+                            <p:stCondLst>
+                              <p:cond delay="0"/>
+                            </p:stCondLst>
+                            <p:childTnLst>
+                              <p:par>
+                                <p:cTn id="26" presetID="45" presetClass="entr" presetSubtype="0" fill="hold" grpId="0" nodeType="clickEffect">
+                                  <p:stCondLst>
+                                    <p:cond delay="0"/>
+                                  </p:stCondLst>
+                                  <p:childTnLst>
+                                    <p:set>
+                                      <p:cBhvr>
+                                        <p:cTn id="27" dur="1" fill="hold">
+                                          <p:stCondLst>
+                                            <p:cond delay="0"/>
+                                          </p:stCondLst>
+                                        </p:cTn>
+                                        <p:tgtEl>
+                                          <p:spTgt spid="40"/>
+                                        </p:tgtEl>
+                                        <p:attrNameLst>
+                                          <p:attrName>style.visibility</p:attrName>
+                                        </p:attrNameLst>
+                                      </p:cBhvr>
+                                      <p:to>
+                                        <p:strVal val="visible"/>
+                                      </p:to>
+                                    </p:set>
+                                    <p:animEffect transition="in" filter="fade">
+                                      <p:cBhvr>
+                                        <p:cTn id="28" dur="2000"/>
+                                        <p:tgtEl>
+                                          <p:spTgt spid="40"/>
+                                        </p:tgtEl>
+                                      </p:cBhvr>
+                                    </p:animEffect>
+                                    <p:anim calcmode="lin" valueType="num">
+                                      <p:cBhvr>
+                                        <p:cTn id="29" dur="2000" fill="hold"/>
+                                        <p:tgtEl>
+                                          <p:spTgt spid="40"/>
+                                        </p:tgtEl>
+                                        <p:attrNameLst>
+                                          <p:attrName>ppt_w</p:attrName>
+                                        </p:attrNameLst>
+                                      </p:cBhvr>
+                                      <p:tavLst>
+                                        <p:tav tm="0" fmla="#ppt_w*sin(2.5*pi*$)">
+                                          <p:val>
+                                            <p:fltVal val="0"/>
+                                          </p:val>
+                                        </p:tav>
+                                        <p:tav tm="100000">
+                                          <p:val>
+                                            <p:fltVal val="1"/>
+                                          </p:val>
+                                        </p:tav>
+                                      </p:tavLst>
+                                    </p:anim>
+                                    <p:anim calcmode="lin" valueType="num">
+                                      <p:cBhvr>
+                                        <p:cTn id="30" dur="2000" fill="hold"/>
+                                        <p:tgtEl>
+                                          <p:spTgt spid="40"/>
+                                        </p:tgtEl>
+                                        <p:attrNameLst>
+                                          <p:attrName>ppt_h</p:attrName>
+                                        </p:attrNameLst>
+                                      </p:cBhvr>
+                                      <p:tavLst>
+                                        <p:tav tm="0">
+                                          <p:val>
+                                            <p:strVal val="#ppt_h"/>
+                                          </p:val>
+                                        </p:tav>
+                                        <p:tav tm="100000">
+                                          <p:val>
+                                            <p:strVal val="#ppt_h"/>
+                                          </p:val>
+                                        </p:tav>
+                                      </p:tavLst>
+                                    </p:anim>
+                                  </p:childTnLst>
+                                </p:cTn>
+                              </p:par>
+                            </p:childTnLst>
+                          </p:cTn>
+                        </p:par>
+                      </p:childTnLst>
+                    </p:cTn>
+                  </p:par>
+                  <p:par>
+                    <p:cTn id="31" fill="hold">
+                      <p:stCondLst>
+                        <p:cond delay="indefinite"/>
+                      </p:stCondLst>
+                      <p:childTnLst>
+                        <p:par>
+                          <p:cTn id="32" fill="hold">
+                            <p:stCondLst>
+                              <p:cond delay="0"/>
+                            </p:stCondLst>
+                            <p:childTnLst>
+                              <p:par>
+                                <p:cTn id="33" presetID="45" presetClass="entr" presetSubtype="0" fill="hold" grpId="0" nodeType="clickEffect">
+                                  <p:stCondLst>
+                                    <p:cond delay="0"/>
+                                  </p:stCondLst>
+                                  <p:childTnLst>
+                                    <p:set>
+                                      <p:cBhvr>
+                                        <p:cTn id="34" dur="1" fill="hold">
+                                          <p:stCondLst>
+                                            <p:cond delay="0"/>
+                                          </p:stCondLst>
+                                        </p:cTn>
+                                        <p:tgtEl>
+                                          <p:spTgt spid="44"/>
+                                        </p:tgtEl>
+                                        <p:attrNameLst>
+                                          <p:attrName>style.visibility</p:attrName>
+                                        </p:attrNameLst>
+                                      </p:cBhvr>
+                                      <p:to>
+                                        <p:strVal val="visible"/>
+                                      </p:to>
+                                    </p:set>
+                                    <p:animEffect transition="in" filter="fade">
+                                      <p:cBhvr>
+                                        <p:cTn id="35" dur="2000"/>
+                                        <p:tgtEl>
+                                          <p:spTgt spid="44"/>
+                                        </p:tgtEl>
+                                      </p:cBhvr>
+                                    </p:animEffect>
+                                    <p:anim calcmode="lin" valueType="num">
+                                      <p:cBhvr>
+                                        <p:cTn id="36" dur="2000" fill="hold"/>
+                                        <p:tgtEl>
+                                          <p:spTgt spid="44"/>
+                                        </p:tgtEl>
+                                        <p:attrNameLst>
+                                          <p:attrName>ppt_w</p:attrName>
+                                        </p:attrNameLst>
+                                      </p:cBhvr>
+                                      <p:tavLst>
+                                        <p:tav tm="0" fmla="#ppt_w*sin(2.5*pi*$)">
+                                          <p:val>
+                                            <p:fltVal val="0"/>
+                                          </p:val>
+                                        </p:tav>
+                                        <p:tav tm="100000">
+                                          <p:val>
+                                            <p:fltVal val="1"/>
+                                          </p:val>
+                                        </p:tav>
+                                      </p:tavLst>
+                                    </p:anim>
+                                    <p:anim calcmode="lin" valueType="num">
+                                      <p:cBhvr>
+                                        <p:cTn id="37" dur="2000" fill="hold"/>
+                                        <p:tgtEl>
+                                          <p:spTgt spid="44"/>
+                                        </p:tgtEl>
+                                        <p:attrNameLst>
+                                          <p:attrName>ppt_h</p:attrName>
+                                        </p:attrNameLst>
+                                      </p:cBhvr>
+                                      <p:tavLst>
+                                        <p:tav tm="0">
+                                          <p:val>
+                                            <p:strVal val="#ppt_h"/>
+                                          </p:val>
+                                        </p:tav>
+                                        <p:tav tm="100000">
+                                          <p:val>
+                                            <p:strVal val="#ppt_h"/>
+                                          </p:val>
+                                        </p:tav>
+                                      </p:tavLst>
+                                    </p:anim>
+                                  </p:childTnLst>
+                                </p:cTn>
+                              </p:par>
+                            </p:childTnLst>
+                          </p:cTn>
+                        </p:par>
+                      </p:childTnLst>
+                    </p:cTn>
+                  </p:par>
+                  <p:par>
+                    <p:cTn id="38" fill="hold">
+                      <p:stCondLst>
+                        <p:cond delay="indefinite"/>
+                      </p:stCondLst>
+                      <p:childTnLst>
+                        <p:par>
+                          <p:cTn id="39" fill="hold">
+                            <p:stCondLst>
+                              <p:cond delay="0"/>
+                            </p:stCondLst>
+                            <p:childTnLst>
+                              <p:par>
+                                <p:cTn id="40" presetID="45" presetClass="entr" presetSubtype="0" fill="hold" grpId="0" nodeType="clickEffect">
+                                  <p:stCondLst>
+                                    <p:cond delay="0"/>
+                                  </p:stCondLst>
+                                  <p:childTnLst>
+                                    <p:set>
+                                      <p:cBhvr>
+                                        <p:cTn id="41" dur="1" fill="hold">
+                                          <p:stCondLst>
+                                            <p:cond delay="0"/>
+                                          </p:stCondLst>
+                                        </p:cTn>
+                                        <p:tgtEl>
+                                          <p:spTgt spid="58"/>
+                                        </p:tgtEl>
+                                        <p:attrNameLst>
+                                          <p:attrName>style.visibility</p:attrName>
+                                        </p:attrNameLst>
+                                      </p:cBhvr>
+                                      <p:to>
+                                        <p:strVal val="visible"/>
+                                      </p:to>
+                                    </p:set>
+                                    <p:animEffect transition="in" filter="fade">
+                                      <p:cBhvr>
+                                        <p:cTn id="42" dur="2000"/>
+                                        <p:tgtEl>
+                                          <p:spTgt spid="58"/>
+                                        </p:tgtEl>
+                                      </p:cBhvr>
+                                    </p:animEffect>
+                                    <p:anim calcmode="lin" valueType="num">
+                                      <p:cBhvr>
+                                        <p:cTn id="43" dur="2000" fill="hold"/>
+                                        <p:tgtEl>
+                                          <p:spTgt spid="58"/>
+                                        </p:tgtEl>
+                                        <p:attrNameLst>
+                                          <p:attrName>ppt_w</p:attrName>
+                                        </p:attrNameLst>
+                                      </p:cBhvr>
+                                      <p:tavLst>
+                                        <p:tav tm="0" fmla="#ppt_w*sin(2.5*pi*$)">
+                                          <p:val>
+                                            <p:fltVal val="0"/>
+                                          </p:val>
+                                        </p:tav>
+                                        <p:tav tm="100000">
+                                          <p:val>
+                                            <p:fltVal val="1"/>
+                                          </p:val>
+                                        </p:tav>
+                                      </p:tavLst>
+                                    </p:anim>
+                                    <p:anim calcmode="lin" valueType="num">
+                                      <p:cBhvr>
+                                        <p:cTn id="44" dur="2000" fill="hold"/>
+                                        <p:tgtEl>
+                                          <p:spTgt spid="58"/>
+                                        </p:tgtEl>
+                                        <p:attrNameLst>
+                                          <p:attrName>ppt_h</p:attrName>
+                                        </p:attrNameLst>
+                                      </p:cBhvr>
+                                      <p:tavLst>
+                                        <p:tav tm="0">
+                                          <p:val>
+                                            <p:strVal val="#ppt_h"/>
+                                          </p:val>
+                                        </p:tav>
+                                        <p:tav tm="100000">
+                                          <p:val>
+                                            <p:strVal val="#ppt_h"/>
+                                          </p:val>
+                                        </p:tav>
+                                      </p:tavLst>
+                                    </p:anim>
+                                  </p:childTnLst>
+                                </p:cTn>
+                              </p:par>
+                            </p:childTnLst>
+                          </p:cTn>
+                        </p:par>
+                      </p:childTnLst>
+                    </p:cTn>
+                  </p:par>
+                  <p:par>
+                    <p:cTn id="45" fill="hold">
+                      <p:stCondLst>
+                        <p:cond delay="indefinite"/>
+                      </p:stCondLst>
+                      <p:childTnLst>
+                        <p:par>
+                          <p:cTn id="46" fill="hold">
+                            <p:stCondLst>
+                              <p:cond delay="0"/>
+                            </p:stCondLst>
+                            <p:childTnLst>
+                              <p:par>
+                                <p:cTn id="47" presetID="45" presetClass="entr" presetSubtype="0" fill="hold" grpId="1" nodeType="clickEffect">
+                                  <p:stCondLst>
+                                    <p:cond delay="0"/>
+                                  </p:stCondLst>
+                                  <p:childTnLst>
+                                    <p:set>
+                                      <p:cBhvr>
+                                        <p:cTn id="48" dur="1" fill="hold">
+                                          <p:stCondLst>
+                                            <p:cond delay="0"/>
+                                          </p:stCondLst>
+                                        </p:cTn>
+                                        <p:tgtEl>
+                                          <p:spTgt spid="46"/>
+                                        </p:tgtEl>
+                                        <p:attrNameLst>
+                                          <p:attrName>style.visibility</p:attrName>
+                                        </p:attrNameLst>
+                                      </p:cBhvr>
+                                      <p:to>
+                                        <p:strVal val="visible"/>
+                                      </p:to>
+                                    </p:set>
+                                    <p:animEffect transition="in" filter="fade">
+                                      <p:cBhvr>
+                                        <p:cTn id="49" dur="2000"/>
+                                        <p:tgtEl>
+                                          <p:spTgt spid="46"/>
+                                        </p:tgtEl>
+                                      </p:cBhvr>
+                                    </p:animEffect>
+                                    <p:anim calcmode="lin" valueType="num">
+                                      <p:cBhvr>
+                                        <p:cTn id="50" dur="2000" fill="hold"/>
+                                        <p:tgtEl>
+                                          <p:spTgt spid="46"/>
+                                        </p:tgtEl>
+                                        <p:attrNameLst>
+                                          <p:attrName>ppt_w</p:attrName>
+                                        </p:attrNameLst>
+                                      </p:cBhvr>
+                                      <p:tavLst>
+                                        <p:tav tm="0" fmla="#ppt_w*sin(2.5*pi*$)">
+                                          <p:val>
+                                            <p:fltVal val="0"/>
+                                          </p:val>
+                                        </p:tav>
+                                        <p:tav tm="100000">
+                                          <p:val>
+                                            <p:fltVal val="1"/>
+                                          </p:val>
+                                        </p:tav>
+                                      </p:tavLst>
+                                    </p:anim>
+                                    <p:anim calcmode="lin" valueType="num">
+                                      <p:cBhvr>
+                                        <p:cTn id="51" dur="2000" fill="hold"/>
+                                        <p:tgtEl>
+                                          <p:spTgt spid="46"/>
+                                        </p:tgtEl>
+                                        <p:attrNameLst>
+                                          <p:attrName>ppt_h</p:attrName>
+                                        </p:attrNameLst>
+                                      </p:cBhvr>
+                                      <p:tavLst>
+                                        <p:tav tm="0">
+                                          <p:val>
+                                            <p:strVal val="#ppt_h"/>
+                                          </p:val>
+                                        </p:tav>
+                                        <p:tav tm="100000">
+                                          <p:val>
+                                            <p:strVal val="#ppt_h"/>
+                                          </p:val>
+                                        </p:tav>
+                                      </p:tavLst>
+                                    </p:anim>
+                                  </p:childTnLst>
+                                </p:cTn>
+                              </p:par>
+                            </p:childTnLst>
+                          </p:cTn>
+                        </p:par>
+                      </p:childTnLst>
+                    </p:cTn>
+                  </p:par>
+                </p:childTnLst>
+              </p:cTn>
+              <p:prevCondLst>
+                <p:cond evt="onPrev" delay="0">
+                  <p:tgtEl>
+                    <p:sldTgt/>
+                  </p:tgtEl>
+                </p:cond>
+              </p:prevCondLst>
+              <p:nextCondLst>
+                <p:cond evt="onNext" delay="0">
+                  <p:tgtEl>
+                    <p:sldTgt/>
+                  </p:tgtEl>
+                </p:cond>
+              </p:nextCondLst>
+            </p:seq>
+          </p:childTnLst>
+        </p:cTn>
+      </p:par>
+    </p:tnLst>
+    <p:bldLst>
+      <p:bldP spid="50" grpId="0"/>
+      <p:bldP spid="55" grpId="0"/>
+      <p:bldP spid="40" grpId="0"/>
+      <p:bldP spid="44" grpId="0"/>
+      <p:bldP spid="48" grpId="0"/>
+      <p:bldP spid="58" grpId="0"/>
+      <p:bldP spid="46" grpId="1"/>
+    </p:bldLst>
+  </p:timing>
+</p:sld>
+</file>
+
+<file path=ppt/slides/slide37.xml><?xml version="1.0" encoding="utf-8"?>
+<p:sld xmlns:a="http://schemas.openxmlformats.org/drawingml/2006/main" xmlns:r="http://schemas.openxmlformats.org/officeDocument/2006/relationships" xmlns:p="http://schemas.openxmlformats.org/presentationml/2006/main">
+  <p:cSld>
+    <p:spTree>
+      <p:nvGrpSpPr>
+        <p:cNvPr id="1" name=""/>
+        <p:cNvGrpSpPr/>
+        <p:nvPr/>
+      </p:nvGrpSpPr>
+      <p:grpSpPr>
+        <a:xfrm>
+          <a:off x="0" y="0"/>
+          <a:ext cx="0" cy="0"/>
+          <a:chOff x="0" y="0"/>
+          <a:chExt cx="0" cy="0"/>
+        </a:xfrm>
+      </p:grpSpPr>
+      <p:sp>
+        <p:nvSpPr>
+          <p:cNvPr id="3" name="Title 2"/>
+          <p:cNvSpPr>
+            <a:spLocks noGrp="1"/>
+          </p:cNvSpPr>
+          <p:nvPr>
+            <p:ph type="title"/>
+          </p:nvPr>
+        </p:nvSpPr>
+        <p:spPr>
+          <a:xfrm>
+            <a:off x="395536" y="44624"/>
+            <a:ext cx="8748464" cy="868362"/>
+          </a:xfrm>
+        </p:spPr>
+        <p:txBody>
+          <a:bodyPr>
+            <a:normAutofit/>
+          </a:bodyPr>
+          <a:lstStyle/>
+          <a:p>
+            <a:pPr algn="l"/>
+            <a:r>
+              <a:rPr lang="en-CA" sz="3600" dirty="0"/>
+              <a:t>Common terms</a:t>
+            </a:r>
+          </a:p>
+        </p:txBody>
+      </p:sp>
+      <p:sp>
+        <p:nvSpPr>
+          <p:cNvPr id="4" name="Slide Number Placeholder 3"/>
+          <p:cNvSpPr>
+            <a:spLocks noGrp="1"/>
+          </p:cNvSpPr>
+          <p:nvPr>
+            <p:ph type="sldNum" sz="quarter" idx="10"/>
+          </p:nvPr>
+        </p:nvSpPr>
+        <p:spPr/>
+        <p:txBody>
+          <a:bodyPr/>
+          <a:lstStyle/>
+          <a:p>
+            <a:pPr>
+              <a:defRPr/>
+            </a:pPr>
+            <a:r>
+              <a:rPr lang="en-US"/>
+              <a:t>- </a:t>
+            </a:r>
+            <a:fld id="{EC508102-87E5-4536-9108-F6A43470C743}" type="slidenum">
+              <a:rPr lang="en-US" smtClean="0"/>
+              <a:pPr>
+                <a:defRPr/>
+              </a:pPr>
+              <a:t>37</a:t>
+            </a:fld>
+            <a:r>
+              <a:rPr lang="en-US"/>
+              <a:t> -</a:t>
+            </a:r>
+          </a:p>
+        </p:txBody>
+      </p:sp>
+      <p:sp>
+        <p:nvSpPr>
+          <p:cNvPr id="5" name="Footer Placeholder 4"/>
+          <p:cNvSpPr>
+            <a:spLocks noGrp="1"/>
+          </p:cNvSpPr>
+          <p:nvPr>
+            <p:ph type="ftr" sz="quarter" idx="11"/>
+          </p:nvPr>
+        </p:nvSpPr>
+        <p:spPr/>
+        <p:txBody>
+          <a:bodyPr/>
+          <a:lstStyle/>
+          <a:p>
+            <a:pPr>
+              <a:defRPr/>
+            </a:pPr>
+            <a:r>
+              <a:rPr lang="en-US" dirty="0"/>
+              <a:t>Laboratory for Percutaneous Surgery (The Perk Lab) – Copyright © Queen’s University, 2019</a:t>
+            </a:r>
+          </a:p>
+        </p:txBody>
+      </p:sp>
+      <p:sp>
+        <p:nvSpPr>
+          <p:cNvPr id="42" name="Content Placeholder 2"/>
+          <p:cNvSpPr txBox="1">
+            <a:spLocks/>
+          </p:cNvSpPr>
+          <p:nvPr/>
+        </p:nvSpPr>
+        <p:spPr bwMode="auto">
+          <a:xfrm>
+            <a:off x="467544" y="1340768"/>
+            <a:ext cx="1800200" cy="3384376"/>
+          </a:xfrm>
+          <a:prstGeom prst="rect">
+            <a:avLst/>
+          </a:prstGeom>
+          <a:noFill/>
+          <a:ln w="9525">
+            <a:noFill/>
+            <a:miter lim="800000"/>
+            <a:headEnd/>
+            <a:tailEnd/>
+          </a:ln>
+        </p:spPr>
+        <p:txBody>
+          <a:bodyPr lIns="0" tIns="0" rIns="0" bIns="0"/>
+          <a:lstStyle/>
+          <a:p>
+            <a:pPr algn="ctr" eaLnBrk="0" hangingPunct="0">
+              <a:spcBef>
+                <a:spcPct val="20000"/>
+              </a:spcBef>
+              <a:defRPr/>
+            </a:pPr>
+            <a:r>
+              <a:rPr lang="en-CA" sz="2400" kern="0" dirty="0">
+                <a:solidFill>
+                  <a:srgbClr val="C00000"/>
+                </a:solidFill>
+                <a:latin typeface="+mn-lt"/>
+              </a:rPr>
+              <a:t>Fork</a:t>
+            </a:r>
+          </a:p>
+          <a:p>
+            <a:pPr algn="ctr" eaLnBrk="0" hangingPunct="0">
+              <a:spcBef>
+                <a:spcPct val="20000"/>
+              </a:spcBef>
+              <a:defRPr/>
+            </a:pPr>
+            <a:r>
+              <a:rPr lang="en-CA" sz="2400" kern="0" dirty="0">
+                <a:solidFill>
+                  <a:srgbClr val="C00000"/>
+                </a:solidFill>
+              </a:rPr>
+              <a:t>Clone</a:t>
+            </a:r>
+          </a:p>
+          <a:p>
+            <a:pPr algn="ctr" eaLnBrk="0" hangingPunct="0">
+              <a:spcBef>
+                <a:spcPct val="20000"/>
+              </a:spcBef>
+              <a:defRPr/>
+            </a:pPr>
+            <a:r>
+              <a:rPr lang="en-CA" sz="2400" kern="0" dirty="0">
+                <a:solidFill>
+                  <a:srgbClr val="C00000"/>
+                </a:solidFill>
+              </a:rPr>
+              <a:t>Pull</a:t>
+            </a:r>
+          </a:p>
+          <a:p>
+            <a:pPr algn="ctr" eaLnBrk="0" hangingPunct="0">
+              <a:spcBef>
+                <a:spcPct val="20000"/>
+              </a:spcBef>
+              <a:defRPr/>
+            </a:pPr>
+            <a:r>
+              <a:rPr lang="en-CA" sz="2400" kern="0" dirty="0">
+                <a:solidFill>
+                  <a:srgbClr val="C00000"/>
+                </a:solidFill>
+                <a:latin typeface="+mn-lt"/>
+              </a:rPr>
+              <a:t>Push</a:t>
+            </a:r>
+          </a:p>
+          <a:p>
+            <a:pPr algn="ctr" eaLnBrk="0" hangingPunct="0">
+              <a:spcBef>
+                <a:spcPct val="20000"/>
+              </a:spcBef>
+              <a:defRPr/>
+            </a:pPr>
+            <a:r>
+              <a:rPr lang="en-CA" sz="2400" kern="0" dirty="0">
+                <a:solidFill>
+                  <a:srgbClr val="C00000"/>
+                </a:solidFill>
+              </a:rPr>
+              <a:t>Commit</a:t>
+            </a:r>
+          </a:p>
+          <a:p>
+            <a:pPr algn="ctr" eaLnBrk="0" hangingPunct="0">
+              <a:spcBef>
+                <a:spcPct val="20000"/>
+              </a:spcBef>
+              <a:defRPr/>
+            </a:pPr>
+            <a:r>
+              <a:rPr lang="en-CA" sz="2400" kern="0" dirty="0">
+                <a:solidFill>
+                  <a:srgbClr val="C00000"/>
+                </a:solidFill>
+                <a:latin typeface="+mn-lt"/>
+              </a:rPr>
+              <a:t>Squash</a:t>
+            </a:r>
+          </a:p>
+          <a:p>
+            <a:pPr algn="ctr" eaLnBrk="0" hangingPunct="0">
+              <a:spcBef>
+                <a:spcPct val="20000"/>
+              </a:spcBef>
+              <a:defRPr/>
+            </a:pPr>
+            <a:r>
+              <a:rPr lang="en-CA" sz="2400" kern="0" dirty="0">
+                <a:solidFill>
+                  <a:srgbClr val="C00000"/>
+                </a:solidFill>
+              </a:rPr>
+              <a:t>Merge</a:t>
+            </a:r>
+          </a:p>
+          <a:p>
+            <a:pPr algn="ctr" eaLnBrk="0" hangingPunct="0">
+              <a:spcBef>
+                <a:spcPct val="20000"/>
+              </a:spcBef>
+              <a:defRPr/>
+            </a:pPr>
+            <a:r>
+              <a:rPr lang="en-CA" sz="2400" kern="0" dirty="0">
+                <a:solidFill>
+                  <a:srgbClr val="C00000"/>
+                </a:solidFill>
+              </a:rPr>
+              <a:t>Fetch</a:t>
+            </a:r>
+          </a:p>
+          <a:p>
+            <a:pPr algn="ctr" eaLnBrk="0" hangingPunct="0">
+              <a:spcBef>
+                <a:spcPct val="20000"/>
+              </a:spcBef>
+              <a:defRPr/>
+            </a:pPr>
+            <a:r>
+              <a:rPr lang="en-CA" sz="2400" kern="0" dirty="0">
+                <a:solidFill>
+                  <a:srgbClr val="C00000"/>
+                </a:solidFill>
+                <a:latin typeface="+mn-lt"/>
+              </a:rPr>
+              <a:t>Rebase</a:t>
+            </a:r>
+          </a:p>
+        </p:txBody>
+      </p:sp>
+      <p:sp>
+        <p:nvSpPr>
+          <p:cNvPr id="49" name="Content Placeholder 2">
+            <a:extLst>
+              <a:ext uri="{FF2B5EF4-FFF2-40B4-BE49-F238E27FC236}">
+                <a16:creationId xmlns:a16="http://schemas.microsoft.com/office/drawing/2014/main" id="{B7C8D354-227E-48FB-AED5-8F173CFAD122}"/>
+              </a:ext>
+            </a:extLst>
+          </p:cNvPr>
+          <p:cNvSpPr txBox="1">
+            <a:spLocks/>
+          </p:cNvSpPr>
+          <p:nvPr/>
+        </p:nvSpPr>
+        <p:spPr bwMode="auto">
+          <a:xfrm>
+            <a:off x="6804248" y="1340768"/>
+            <a:ext cx="1800200" cy="3384376"/>
+          </a:xfrm>
+          <a:prstGeom prst="rect">
+            <a:avLst/>
+          </a:prstGeom>
+          <a:noFill/>
+          <a:ln w="9525">
+            <a:noFill/>
+            <a:miter lim="800000"/>
+            <a:headEnd/>
+            <a:tailEnd/>
+          </a:ln>
+        </p:spPr>
+        <p:txBody>
+          <a:bodyPr lIns="0" tIns="0" rIns="0" bIns="0"/>
+          <a:lstStyle/>
+          <a:p>
+            <a:pPr algn="ctr" eaLnBrk="0" hangingPunct="0">
+              <a:spcBef>
+                <a:spcPct val="20000"/>
+              </a:spcBef>
+              <a:defRPr/>
+            </a:pPr>
+            <a:r>
+              <a:rPr lang="en-CA" sz="2400" kern="0" dirty="0">
+                <a:solidFill>
+                  <a:srgbClr val="C00000"/>
+                </a:solidFill>
+                <a:latin typeface="+mn-lt"/>
+              </a:rPr>
+              <a:t>Repository</a:t>
+            </a:r>
+          </a:p>
+          <a:p>
+            <a:pPr algn="ctr" eaLnBrk="0" hangingPunct="0">
+              <a:spcBef>
+                <a:spcPct val="20000"/>
+              </a:spcBef>
+              <a:defRPr/>
+            </a:pPr>
+            <a:r>
+              <a:rPr lang="en-CA" sz="2400" kern="0" dirty="0">
+                <a:solidFill>
+                  <a:srgbClr val="C00000"/>
+                </a:solidFill>
+              </a:rPr>
+              <a:t>Remote</a:t>
+            </a:r>
+            <a:endParaRPr lang="en-CA" sz="2400" kern="0" dirty="0">
+              <a:solidFill>
+                <a:srgbClr val="C00000"/>
+              </a:solidFill>
+              <a:latin typeface="+mn-lt"/>
+            </a:endParaRPr>
+          </a:p>
+          <a:p>
+            <a:pPr algn="ctr" eaLnBrk="0" hangingPunct="0">
+              <a:spcBef>
+                <a:spcPct val="20000"/>
+              </a:spcBef>
+              <a:defRPr/>
+            </a:pPr>
+            <a:r>
+              <a:rPr lang="en-CA" sz="2400" kern="0" dirty="0">
+                <a:solidFill>
+                  <a:srgbClr val="C00000"/>
+                </a:solidFill>
+                <a:latin typeface="+mn-lt"/>
+              </a:rPr>
+              <a:t>Pull request</a:t>
+            </a:r>
+          </a:p>
+          <a:p>
+            <a:pPr algn="ctr" eaLnBrk="0" hangingPunct="0">
+              <a:spcBef>
+                <a:spcPct val="20000"/>
+              </a:spcBef>
+              <a:defRPr/>
+            </a:pPr>
+            <a:r>
+              <a:rPr lang="en-CA" sz="2400" kern="0" dirty="0">
+                <a:solidFill>
+                  <a:srgbClr val="C00000"/>
+                </a:solidFill>
+                <a:latin typeface="+mn-lt"/>
+              </a:rPr>
+              <a:t>Master</a:t>
+            </a:r>
+          </a:p>
+          <a:p>
+            <a:pPr algn="ctr" eaLnBrk="0" hangingPunct="0">
+              <a:spcBef>
+                <a:spcPct val="20000"/>
+              </a:spcBef>
+              <a:defRPr/>
+            </a:pPr>
+            <a:r>
+              <a:rPr lang="en-CA" sz="2400" kern="0" dirty="0">
+                <a:solidFill>
+                  <a:srgbClr val="C00000"/>
+                </a:solidFill>
+              </a:rPr>
+              <a:t>Origin</a:t>
+            </a:r>
+            <a:endParaRPr lang="en-CA" sz="2400" kern="0" dirty="0">
+              <a:solidFill>
+                <a:srgbClr val="C00000"/>
+              </a:solidFill>
+              <a:latin typeface="+mn-lt"/>
+            </a:endParaRPr>
+          </a:p>
+          <a:p>
+            <a:pPr algn="ctr" eaLnBrk="0" hangingPunct="0">
+              <a:spcBef>
+                <a:spcPct val="20000"/>
+              </a:spcBef>
+              <a:defRPr/>
+            </a:pPr>
+            <a:r>
+              <a:rPr lang="en-CA" sz="2400" kern="0" dirty="0">
+                <a:solidFill>
+                  <a:srgbClr val="C00000"/>
+                </a:solidFill>
+              </a:rPr>
+              <a:t>Upstream</a:t>
+            </a:r>
+          </a:p>
+          <a:p>
+            <a:pPr algn="ctr" eaLnBrk="0" hangingPunct="0">
+              <a:spcBef>
+                <a:spcPct val="20000"/>
+              </a:spcBef>
+              <a:defRPr/>
+            </a:pPr>
+            <a:r>
+              <a:rPr lang="en-CA" sz="2400" kern="0" dirty="0">
+                <a:solidFill>
+                  <a:srgbClr val="C00000"/>
+                </a:solidFill>
+                <a:latin typeface="+mn-lt"/>
+              </a:rPr>
+              <a:t>Branch</a:t>
+            </a:r>
+          </a:p>
+          <a:p>
+            <a:pPr algn="ctr" eaLnBrk="0" hangingPunct="0">
+              <a:spcBef>
+                <a:spcPct val="20000"/>
+              </a:spcBef>
+              <a:defRPr/>
+            </a:pPr>
+            <a:r>
+              <a:rPr lang="en-CA" sz="2400" kern="0" dirty="0">
+                <a:solidFill>
+                  <a:srgbClr val="C00000"/>
+                </a:solidFill>
+              </a:rPr>
+              <a:t>Git hash</a:t>
+            </a:r>
+            <a:endParaRPr lang="en-CA" sz="2400" kern="0" dirty="0">
+              <a:solidFill>
+                <a:srgbClr val="C00000"/>
+              </a:solidFill>
+              <a:latin typeface="+mn-lt"/>
+            </a:endParaRPr>
+          </a:p>
+          <a:p>
+            <a:pPr algn="ctr" eaLnBrk="0" hangingPunct="0">
+              <a:spcBef>
+                <a:spcPct val="20000"/>
+              </a:spcBef>
+              <a:defRPr/>
+            </a:pPr>
+            <a:endParaRPr lang="en-CA" sz="2400" kern="0" dirty="0">
+              <a:solidFill>
+                <a:srgbClr val="C00000"/>
+              </a:solidFill>
+              <a:latin typeface="+mn-lt"/>
+            </a:endParaRPr>
+          </a:p>
+        </p:txBody>
+      </p:sp>
+      <p:sp>
+        <p:nvSpPr>
+          <p:cNvPr id="51" name="Content Placeholder 2">
+            <a:extLst>
+              <a:ext uri="{FF2B5EF4-FFF2-40B4-BE49-F238E27FC236}">
+                <a16:creationId xmlns:a16="http://schemas.microsoft.com/office/drawing/2014/main" id="{0D00ABB2-A07C-4890-B19C-D87737EA0359}"/>
+              </a:ext>
+            </a:extLst>
+          </p:cNvPr>
+          <p:cNvSpPr txBox="1">
+            <a:spLocks/>
+          </p:cNvSpPr>
+          <p:nvPr/>
+        </p:nvSpPr>
+        <p:spPr bwMode="auto">
+          <a:xfrm>
+            <a:off x="3635896" y="1340768"/>
+            <a:ext cx="1800200" cy="3384376"/>
+          </a:xfrm>
+          <a:prstGeom prst="rect">
+            <a:avLst/>
+          </a:prstGeom>
+          <a:noFill/>
+          <a:ln w="9525">
+            <a:noFill/>
+            <a:miter lim="800000"/>
+            <a:headEnd/>
+            <a:tailEnd/>
+          </a:ln>
+        </p:spPr>
+        <p:txBody>
+          <a:bodyPr lIns="0" tIns="0" rIns="0" bIns="0"/>
+          <a:lstStyle/>
+          <a:p>
+            <a:pPr algn="ctr" eaLnBrk="0" hangingPunct="0">
+              <a:spcBef>
+                <a:spcPct val="20000"/>
+              </a:spcBef>
+              <a:defRPr/>
+            </a:pPr>
+            <a:r>
+              <a:rPr lang="en-CA" sz="2400" kern="0" dirty="0">
+                <a:solidFill>
+                  <a:srgbClr val="C00000"/>
+                </a:solidFill>
+                <a:latin typeface="+mn-lt"/>
+              </a:rPr>
+              <a:t>Show log</a:t>
+            </a:r>
+          </a:p>
+          <a:p>
+            <a:pPr algn="ctr" eaLnBrk="0" hangingPunct="0">
+              <a:spcBef>
+                <a:spcPct val="20000"/>
+              </a:spcBef>
+              <a:defRPr/>
+            </a:pPr>
+            <a:r>
+              <a:rPr lang="en-CA" sz="2400" kern="0" dirty="0">
+                <a:solidFill>
+                  <a:srgbClr val="C00000"/>
+                </a:solidFill>
+              </a:rPr>
+              <a:t>Diff</a:t>
+            </a:r>
+          </a:p>
+          <a:p>
+            <a:pPr algn="ctr" eaLnBrk="0" hangingPunct="0">
+              <a:spcBef>
+                <a:spcPct val="20000"/>
+              </a:spcBef>
+              <a:defRPr/>
+            </a:pPr>
+            <a:r>
+              <a:rPr lang="en-CA" sz="2400" kern="0" dirty="0">
+                <a:solidFill>
+                  <a:srgbClr val="C00000"/>
+                </a:solidFill>
+                <a:latin typeface="+mn-lt"/>
+              </a:rPr>
+              <a:t>Blame</a:t>
+            </a:r>
+          </a:p>
+          <a:p>
+            <a:pPr algn="ctr" eaLnBrk="0" hangingPunct="0">
+              <a:spcBef>
+                <a:spcPct val="20000"/>
+              </a:spcBef>
+              <a:defRPr/>
+            </a:pPr>
+            <a:r>
+              <a:rPr lang="en-CA" sz="2400" kern="0" dirty="0">
+                <a:solidFill>
+                  <a:srgbClr val="C00000"/>
+                </a:solidFill>
+              </a:rPr>
+              <a:t>Cherry-pick</a:t>
+            </a:r>
+          </a:p>
+          <a:p>
+            <a:pPr algn="ctr" eaLnBrk="0" hangingPunct="0">
+              <a:spcBef>
+                <a:spcPct val="20000"/>
+              </a:spcBef>
+              <a:defRPr/>
+            </a:pPr>
+            <a:r>
+              <a:rPr lang="en-CA" sz="2400" kern="0" dirty="0">
+                <a:solidFill>
+                  <a:srgbClr val="C00000"/>
+                </a:solidFill>
+              </a:rPr>
+              <a:t>Stash changes</a:t>
+            </a:r>
+          </a:p>
+          <a:p>
+            <a:pPr algn="ctr" eaLnBrk="0" hangingPunct="0">
+              <a:spcBef>
+                <a:spcPct val="20000"/>
+              </a:spcBef>
+              <a:defRPr/>
+            </a:pPr>
+            <a:r>
+              <a:rPr lang="en-CA" sz="2400" kern="0" dirty="0">
+                <a:solidFill>
+                  <a:srgbClr val="C00000"/>
+                </a:solidFill>
+                <a:latin typeface="+mn-lt"/>
+              </a:rPr>
+              <a:t>Stash pop</a:t>
+            </a:r>
+          </a:p>
+          <a:p>
+            <a:pPr algn="ctr" eaLnBrk="0" hangingPunct="0">
+              <a:spcBef>
+                <a:spcPct val="20000"/>
+              </a:spcBef>
+              <a:defRPr/>
+            </a:pPr>
+            <a:r>
+              <a:rPr lang="en-CA" sz="2400" kern="0" dirty="0">
+                <a:solidFill>
+                  <a:srgbClr val="C00000"/>
+                </a:solidFill>
+              </a:rPr>
+              <a:t>Switch to</a:t>
+            </a:r>
+            <a:endParaRPr lang="en-CA" sz="2400" kern="0" dirty="0">
+              <a:solidFill>
+                <a:srgbClr val="C00000"/>
+              </a:solidFill>
+              <a:latin typeface="+mn-lt"/>
+            </a:endParaRPr>
+          </a:p>
+        </p:txBody>
+      </p:sp>
+    </p:spTree>
+    <p:extLst>
+      <p:ext uri="{BB962C8B-B14F-4D97-AF65-F5344CB8AC3E}">
+        <p14:creationId xmlns:p14="http://schemas.microsoft.com/office/powerpoint/2010/main" val="1971002720"/>
       </p:ext>
     </p:extLst>
   </p:cSld>
@@ -23178,7 +24636,7 @@
             </a:pPr>
             <a:r>
               <a:rPr lang="en-US" dirty="0"/>
-              <a:t>Laboratory for Percutaneous Surgery (The Perk Lab) – Copyright © Queen’s University, 2018</a:t>
+              <a:t>Laboratory for Percutaneous Surgery (The Perk Lab) – Copyright © Queen’s University, 2019</a:t>
             </a:r>
           </a:p>
         </p:txBody>
@@ -23338,7 +24796,7 @@
             </a:pPr>
             <a:r>
               <a:rPr lang="en-CA" dirty="0"/>
-              <a:t>Projects:</a:t>
+              <a:t>Projects: typically for small projects</a:t>
             </a:r>
           </a:p>
           <a:p>
@@ -23524,7 +24982,7 @@
             </a:pPr>
             <a:r>
               <a:rPr lang="en-CA" dirty="0"/>
-              <a:t>Releases:</a:t>
+              <a:t>Releases: for larger projects</a:t>
             </a:r>
           </a:p>
           <a:p>
@@ -23690,7 +25148,7 @@
             </a:pPr>
             <a:r>
               <a:rPr lang="en-US" dirty="0"/>
-              <a:t>Laboratory for Percutaneous Surgery (The Perk Lab) – Copyright © Queen’s University, 2018</a:t>
+              <a:t>Laboratory for Percutaneous Surgery (The Perk Lab) – Copyright © Queen’s University, 2019</a:t>
             </a:r>
           </a:p>
         </p:txBody>
@@ -23811,7 +25269,7 @@
             </a:pPr>
             <a:r>
               <a:rPr lang="en-US" dirty="0"/>
-              <a:t>Laboratory for Percutaneous Surgery (The Perk Lab) – Copyright © Queen’s University, 2018</a:t>
+              <a:t>Laboratory for Percutaneous Surgery (The Perk Lab) – Copyright © Queen’s University, 2019</a:t>
             </a:r>
           </a:p>
         </p:txBody>
@@ -24031,7 +25489,7 @@
             </a:pPr>
             <a:r>
               <a:rPr lang="en-US" dirty="0"/>
-              <a:t>Laboratory for Percutaneous Surgery (The Perk Lab) – Copyright © Queen’s University, 2018</a:t>
+              <a:t>Laboratory for Percutaneous Surgery (The Perk Lab) – Copyright © Queen’s University, 2019</a:t>
             </a:r>
           </a:p>
         </p:txBody>
@@ -24543,7 +26001,7 @@
             </a:pPr>
             <a:r>
               <a:rPr lang="en-US" dirty="0"/>
-              <a:t>Laboratory for Percutaneous Surgery (The Perk Lab) – Copyright © Queen’s University, 2018</a:t>
+              <a:t>Laboratory for Percutaneous Surgery (The Perk Lab) – Copyright © Queen’s University, 2019</a:t>
             </a:r>
           </a:p>
         </p:txBody>
@@ -25073,7 +26531,7 @@
           <p:nvPr/>
         </p:nvPicPr>
         <p:blipFill>
-          <a:blip r:embed="rId4">
+          <a:blip r:embed="rId4" cstate="print">
             <a:extLst>
               <a:ext uri="{28A0092B-C50C-407E-A947-70E740481C1C}">
                 <a14:useLocalDpi xmlns:a14="http://schemas.microsoft.com/office/drawing/2010/main" val="0"/>
@@ -25211,7 +26669,7 @@
             </a:pPr>
             <a:r>
               <a:rPr lang="en-US" dirty="0"/>
-              <a:t>Laboratory for Percutaneous Surgery (The Perk Lab) – Copyright © Queen’s University, 2018</a:t>
+              <a:t>Laboratory for Percutaneous Surgery (The Perk Lab) – Copyright © Queen’s University, 2019</a:t>
             </a:r>
           </a:p>
         </p:txBody>
@@ -25761,7 +27219,7 @@
           <p:nvPr/>
         </p:nvPicPr>
         <p:blipFill>
-          <a:blip r:embed="rId4">
+          <a:blip r:embed="rId4" cstate="print">
             <a:extLst>
               <a:ext uri="{28A0092B-C50C-407E-A947-70E740481C1C}">
                 <a14:useLocalDpi xmlns:a14="http://schemas.microsoft.com/office/drawing/2010/main" val="0"/>

--- a/Doc/day1_2_PerkLabProjectManagement.pptx
+++ b/Doc/day1_2_PerkLabProjectManagement.pptx
@@ -16,8 +16,8 @@
     <p:sldId id="466" r:id="rId7"/>
     <p:sldId id="470" r:id="rId8"/>
     <p:sldId id="472" r:id="rId9"/>
-    <p:sldId id="473" r:id="rId10"/>
-    <p:sldId id="474" r:id="rId11"/>
+    <p:sldId id="474" r:id="rId10"/>
+    <p:sldId id="473" r:id="rId11"/>
     <p:sldId id="500" r:id="rId12"/>
     <p:sldId id="498" r:id="rId13"/>
     <p:sldId id="510" r:id="rId14"/>
@@ -1473,7 +1473,7 @@
             <a:fld id="{A6E16264-6225-448A-8F6B-37C607BF693C}" type="datetimeFigureOut">
               <a:rPr lang="en-CA" smtClean="0"/>
               <a:pPr/>
-              <a:t>2021-05-02</a:t>
+              <a:t>2021-05-03</a:t>
             </a:fld>
             <a:endParaRPr lang="en-CA"/>
           </a:p>
@@ -1924,7 +1924,7 @@
             <a:fld id="{E843F943-FC4A-4610-812B-19459293E20B}" type="datetime1">
               <a:rPr lang="en-CA" smtClean="0"/>
               <a:pPr/>
-              <a:t>2021-05-02</a:t>
+              <a:t>2021-05-03</a:t>
             </a:fld>
             <a:endParaRPr lang="en-CA" dirty="0"/>
           </a:p>
@@ -2223,7 +2223,7 @@
             <a:fld id="{7EC20259-AFA4-42BB-B1F2-1723D3175E09}" type="datetime1">
               <a:rPr lang="en-CA" smtClean="0"/>
               <a:pPr/>
-              <a:t>2021-05-02</a:t>
+              <a:t>2021-05-03</a:t>
             </a:fld>
             <a:endParaRPr lang="en-CA"/>
           </a:p>
@@ -2427,7 +2427,7 @@
             <a:fld id="{7EC20259-AFA4-42BB-B1F2-1723D3175E09}" type="datetime1">
               <a:rPr lang="en-CA" smtClean="0"/>
               <a:pPr/>
-              <a:t>2021-05-02</a:t>
+              <a:t>2021-05-03</a:t>
             </a:fld>
             <a:endParaRPr lang="en-CA"/>
           </a:p>
@@ -2709,7 +2709,7 @@
             <a:fld id="{0B273A97-7724-4AE7-A6F1-5A1F5D1DB72A}" type="datetime1">
               <a:rPr lang="en-CA" smtClean="0"/>
               <a:pPr/>
-              <a:t>2021-05-02</a:t>
+              <a:t>2021-05-03</a:t>
             </a:fld>
             <a:endParaRPr lang="en-CA"/>
           </a:p>
@@ -3218,7 +3218,15 @@
             <a:pPr algn="l"/>
             <a:r>
               <a:rPr lang="en-CA" sz="3600" dirty="0"/>
-              <a:t>Concurrent modifications by multiple people</a:t>
+              <a:t>Manages </a:t>
+            </a:r>
+            <a:r>
+              <a:rPr lang="en-CA" sz="3600" dirty="0" err="1"/>
+              <a:t>concurrect</a:t>
+            </a:r>
+            <a:r>
+              <a:rPr lang="en-CA" sz="3600" dirty="0"/>
+              <a:t> changes (merge)</a:t>
             </a:r>
           </a:p>
         </p:txBody>
@@ -3284,212 +3292,727 @@
           </a:p>
         </p:txBody>
       </p:sp>
-      <p:sp>
-        <p:nvSpPr>
-          <p:cNvPr id="36" name="Content Placeholder 1"/>
+      <p:cxnSp>
+        <p:nvCxnSpPr>
+          <p:cNvPr id="10" name="Straight Connector 9"/>
+          <p:cNvCxnSpPr/>
+          <p:nvPr/>
+        </p:nvCxnSpPr>
+        <p:spPr bwMode="auto">
+          <a:xfrm rot="5400000">
+            <a:off x="4971728" y="3774976"/>
+            <a:ext cx="4419600" cy="0"/>
+          </a:xfrm>
+          <a:prstGeom prst="line">
+            <a:avLst/>
+          </a:prstGeom>
+          <a:ln>
+            <a:headEnd type="none" w="med" len="med"/>
+            <a:tailEnd type="none" w="med" len="med"/>
+          </a:ln>
+        </p:spPr>
+        <p:style>
+          <a:lnRef idx="3">
+            <a:schemeClr val="dk1"/>
+          </a:lnRef>
+          <a:fillRef idx="0">
+            <a:schemeClr val="dk1"/>
+          </a:fillRef>
+          <a:effectRef idx="2">
+            <a:schemeClr val="dk1"/>
+          </a:effectRef>
+          <a:fontRef idx="minor">
+            <a:schemeClr val="tx1"/>
+          </a:fontRef>
+        </p:style>
+      </p:cxnSp>
+      <p:cxnSp>
+        <p:nvCxnSpPr>
+          <p:cNvPr id="11" name="Straight Connector 10"/>
+          <p:cNvCxnSpPr/>
+          <p:nvPr/>
+        </p:nvCxnSpPr>
+        <p:spPr bwMode="auto">
+          <a:xfrm flipV="1">
+            <a:off x="7181528" y="4384576"/>
+            <a:ext cx="609600" cy="228600"/>
+          </a:xfrm>
+          <a:prstGeom prst="line">
+            <a:avLst/>
+          </a:prstGeom>
+          <a:ln>
+            <a:headEnd type="none" w="med" len="med"/>
+            <a:tailEnd type="none" w="med" len="med"/>
+          </a:ln>
+        </p:spPr>
+        <p:style>
+          <a:lnRef idx="2">
+            <a:schemeClr val="dk1"/>
+          </a:lnRef>
+          <a:fillRef idx="0">
+            <a:schemeClr val="dk1"/>
+          </a:fillRef>
+          <a:effectRef idx="1">
+            <a:schemeClr val="dk1"/>
+          </a:effectRef>
+          <a:fontRef idx="minor">
+            <a:schemeClr val="tx1"/>
+          </a:fontRef>
+        </p:style>
+      </p:cxnSp>
+      <p:cxnSp>
+        <p:nvCxnSpPr>
+          <p:cNvPr id="13" name="Straight Connector 12"/>
+          <p:cNvCxnSpPr>
+            <a:endCxn id="21" idx="0"/>
+          </p:cNvCxnSpPr>
+          <p:nvPr/>
+        </p:nvCxnSpPr>
+        <p:spPr bwMode="auto">
+          <a:xfrm rot="5400000" flipH="1" flipV="1">
+            <a:off x="7219628" y="3813076"/>
+            <a:ext cx="1143000" cy="0"/>
+          </a:xfrm>
+          <a:prstGeom prst="line">
+            <a:avLst/>
+          </a:prstGeom>
+          <a:ln>
+            <a:headEnd type="none" w="med" len="med"/>
+            <a:tailEnd type="none" w="med" len="med"/>
+          </a:ln>
+        </p:spPr>
+        <p:style>
+          <a:lnRef idx="2">
+            <a:schemeClr val="dk1"/>
+          </a:lnRef>
+          <a:fillRef idx="0">
+            <a:schemeClr val="dk1"/>
+          </a:fillRef>
+          <a:effectRef idx="1">
+            <a:schemeClr val="dk1"/>
+          </a:effectRef>
+          <a:fontRef idx="minor">
+            <a:schemeClr val="tx1"/>
+          </a:fontRef>
+        </p:style>
+      </p:cxnSp>
+      <p:sp>
+        <p:nvSpPr>
+          <p:cNvPr id="14" name="Oval 23"/>
+          <p:cNvSpPr>
+            <a:spLocks noChangeArrowheads="1"/>
+          </p:cNvSpPr>
+          <p:nvPr/>
+        </p:nvSpPr>
+        <p:spPr bwMode="auto">
+          <a:xfrm>
+            <a:off x="7029128" y="5222776"/>
+            <a:ext cx="304800" cy="304800"/>
+          </a:xfrm>
+          <a:prstGeom prst="ellipse">
+            <a:avLst/>
+          </a:prstGeom>
+          <a:solidFill>
+            <a:schemeClr val="accent1"/>
+          </a:solidFill>
+          <a:ln w="9525" algn="ctr">
+            <a:solidFill>
+              <a:schemeClr val="tx1"/>
+            </a:solidFill>
+            <a:round/>
+            <a:headEnd/>
+            <a:tailEnd/>
+          </a:ln>
+        </p:spPr>
+        <p:txBody>
+          <a:bodyPr lIns="0" tIns="0" rIns="0" bIns="0" anchor="ctr"/>
+          <a:lstStyle/>
+          <a:p>
+            <a:pPr algn="ctr" eaLnBrk="0" hangingPunct="0"/>
+            <a:r>
+              <a:rPr lang="en-CA" b="1">
+                <a:latin typeface="Times" pitchFamily="18" charset="0"/>
+              </a:rPr>
+              <a:t>1</a:t>
+            </a:r>
+          </a:p>
+        </p:txBody>
+      </p:sp>
+      <p:cxnSp>
+        <p:nvCxnSpPr>
+          <p:cNvPr id="16" name="Straight Connector 15"/>
+          <p:cNvCxnSpPr/>
+          <p:nvPr/>
+        </p:nvCxnSpPr>
+        <p:spPr bwMode="auto">
+          <a:xfrm flipV="1">
+            <a:off x="7791128" y="3546376"/>
+            <a:ext cx="609600" cy="228600"/>
+          </a:xfrm>
+          <a:prstGeom prst="line">
+            <a:avLst/>
+          </a:prstGeom>
+          <a:ln>
+            <a:headEnd type="none" w="med" len="med"/>
+            <a:tailEnd type="none" w="med" len="med"/>
+          </a:ln>
+        </p:spPr>
+        <p:style>
+          <a:lnRef idx="2">
+            <a:schemeClr val="dk1"/>
+          </a:lnRef>
+          <a:fillRef idx="0">
+            <a:schemeClr val="dk1"/>
+          </a:fillRef>
+          <a:effectRef idx="1">
+            <a:schemeClr val="dk1"/>
+          </a:effectRef>
+          <a:fontRef idx="minor">
+            <a:schemeClr val="tx1"/>
+          </a:fontRef>
+        </p:style>
+      </p:cxnSp>
+      <p:cxnSp>
+        <p:nvCxnSpPr>
+          <p:cNvPr id="17" name="Straight Connector 16"/>
+          <p:cNvCxnSpPr/>
+          <p:nvPr/>
+        </p:nvCxnSpPr>
+        <p:spPr bwMode="auto">
+          <a:xfrm rot="5400000" flipH="1" flipV="1">
+            <a:off x="7829228" y="2974876"/>
+            <a:ext cx="1143000" cy="0"/>
+          </a:xfrm>
+          <a:prstGeom prst="line">
+            <a:avLst/>
+          </a:prstGeom>
+          <a:ln>
+            <a:headEnd type="none" w="med" len="med"/>
+            <a:tailEnd type="none" w="med" len="med"/>
+          </a:ln>
+        </p:spPr>
+        <p:style>
+          <a:lnRef idx="2">
+            <a:schemeClr val="dk1"/>
+          </a:lnRef>
+          <a:fillRef idx="0">
+            <a:schemeClr val="dk1"/>
+          </a:fillRef>
+          <a:effectRef idx="1">
+            <a:schemeClr val="dk1"/>
+          </a:effectRef>
+          <a:fontRef idx="minor">
+            <a:schemeClr val="tx1"/>
+          </a:fontRef>
+        </p:style>
+      </p:cxnSp>
+      <p:sp>
+        <p:nvSpPr>
+          <p:cNvPr id="18" name="Oval 41"/>
+          <p:cNvSpPr>
+            <a:spLocks noChangeArrowheads="1"/>
+          </p:cNvSpPr>
+          <p:nvPr/>
+        </p:nvSpPr>
+        <p:spPr bwMode="auto">
+          <a:xfrm>
+            <a:off x="7029128" y="4765576"/>
+            <a:ext cx="304800" cy="304800"/>
+          </a:xfrm>
+          <a:prstGeom prst="ellipse">
+            <a:avLst/>
+          </a:prstGeom>
+          <a:solidFill>
+            <a:schemeClr val="accent1"/>
+          </a:solidFill>
+          <a:ln w="9525" algn="ctr">
+            <a:solidFill>
+              <a:schemeClr val="tx1"/>
+            </a:solidFill>
+            <a:round/>
+            <a:headEnd/>
+            <a:tailEnd/>
+          </a:ln>
+        </p:spPr>
+        <p:txBody>
+          <a:bodyPr lIns="0" tIns="0" rIns="0" bIns="0" anchor="ctr"/>
+          <a:lstStyle/>
+          <a:p>
+            <a:pPr algn="ctr" eaLnBrk="0" hangingPunct="0"/>
+            <a:r>
+              <a:rPr lang="en-CA" b="1">
+                <a:latin typeface="Times" pitchFamily="18" charset="0"/>
+              </a:rPr>
+              <a:t>2</a:t>
+            </a:r>
+          </a:p>
+        </p:txBody>
+      </p:sp>
+      <p:sp>
+        <p:nvSpPr>
+          <p:cNvPr id="19" name="Oval 42"/>
+          <p:cNvSpPr>
+            <a:spLocks noChangeArrowheads="1"/>
+          </p:cNvSpPr>
+          <p:nvPr/>
+        </p:nvSpPr>
+        <p:spPr bwMode="auto">
+          <a:xfrm>
+            <a:off x="7029128" y="4155976"/>
+            <a:ext cx="304800" cy="304800"/>
+          </a:xfrm>
+          <a:prstGeom prst="ellipse">
+            <a:avLst/>
+          </a:prstGeom>
+          <a:solidFill>
+            <a:schemeClr val="accent1"/>
+          </a:solidFill>
+          <a:ln w="9525" algn="ctr">
+            <a:solidFill>
+              <a:schemeClr val="tx1"/>
+            </a:solidFill>
+            <a:round/>
+            <a:headEnd/>
+            <a:tailEnd/>
+          </a:ln>
+        </p:spPr>
+        <p:txBody>
+          <a:bodyPr lIns="0" tIns="0" rIns="0" bIns="0" anchor="ctr"/>
+          <a:lstStyle/>
+          <a:p>
+            <a:pPr algn="ctr" eaLnBrk="0" hangingPunct="0"/>
+            <a:r>
+              <a:rPr lang="en-CA" b="1">
+                <a:latin typeface="Times" pitchFamily="18" charset="0"/>
+              </a:rPr>
+              <a:t>3</a:t>
+            </a:r>
+          </a:p>
+        </p:txBody>
+      </p:sp>
+      <p:sp>
+        <p:nvSpPr>
+          <p:cNvPr id="20" name="Oval 43"/>
+          <p:cNvSpPr>
+            <a:spLocks noChangeArrowheads="1"/>
+          </p:cNvSpPr>
+          <p:nvPr/>
+        </p:nvSpPr>
+        <p:spPr bwMode="auto">
+          <a:xfrm>
+            <a:off x="7638728" y="3927376"/>
+            <a:ext cx="304800" cy="304800"/>
+          </a:xfrm>
+          <a:prstGeom prst="ellipse">
+            <a:avLst/>
+          </a:prstGeom>
+          <a:solidFill>
+            <a:schemeClr val="accent1"/>
+          </a:solidFill>
+          <a:ln w="9525" algn="ctr">
+            <a:solidFill>
+              <a:schemeClr val="tx1"/>
+            </a:solidFill>
+            <a:round/>
+            <a:headEnd/>
+            <a:tailEnd/>
+          </a:ln>
+        </p:spPr>
+        <p:txBody>
+          <a:bodyPr lIns="0" tIns="0" rIns="0" bIns="0" anchor="ctr"/>
+          <a:lstStyle/>
+          <a:p>
+            <a:pPr algn="ctr" eaLnBrk="0" hangingPunct="0"/>
+            <a:r>
+              <a:rPr lang="en-CA" b="1">
+                <a:latin typeface="Times" pitchFamily="18" charset="0"/>
+              </a:rPr>
+              <a:t>4</a:t>
+            </a:r>
+          </a:p>
+        </p:txBody>
+      </p:sp>
+      <p:sp>
+        <p:nvSpPr>
+          <p:cNvPr id="21" name="Oval 45"/>
+          <p:cNvSpPr>
+            <a:spLocks noChangeArrowheads="1"/>
+          </p:cNvSpPr>
+          <p:nvPr/>
+        </p:nvSpPr>
+        <p:spPr bwMode="auto">
+          <a:xfrm>
+            <a:off x="7638728" y="3241576"/>
+            <a:ext cx="304800" cy="304800"/>
+          </a:xfrm>
+          <a:prstGeom prst="ellipse">
+            <a:avLst/>
+          </a:prstGeom>
+          <a:solidFill>
+            <a:schemeClr val="accent1"/>
+          </a:solidFill>
+          <a:ln w="9525" algn="ctr">
+            <a:solidFill>
+              <a:schemeClr val="tx1"/>
+            </a:solidFill>
+            <a:round/>
+            <a:headEnd/>
+            <a:tailEnd/>
+          </a:ln>
+        </p:spPr>
+        <p:txBody>
+          <a:bodyPr lIns="0" tIns="0" rIns="0" bIns="0" anchor="ctr"/>
+          <a:lstStyle/>
+          <a:p>
+            <a:pPr algn="ctr" eaLnBrk="0" hangingPunct="0"/>
+            <a:r>
+              <a:rPr lang="en-CA" b="1">
+                <a:latin typeface="Times" pitchFamily="18" charset="0"/>
+              </a:rPr>
+              <a:t>5</a:t>
+            </a:r>
+          </a:p>
+        </p:txBody>
+      </p:sp>
+      <p:sp>
+        <p:nvSpPr>
+          <p:cNvPr id="22" name="Oval 46"/>
+          <p:cNvSpPr>
+            <a:spLocks noChangeArrowheads="1"/>
+          </p:cNvSpPr>
+          <p:nvPr/>
+        </p:nvSpPr>
+        <p:spPr bwMode="auto">
+          <a:xfrm>
+            <a:off x="8248328" y="2860576"/>
+            <a:ext cx="304800" cy="304800"/>
+          </a:xfrm>
+          <a:prstGeom prst="ellipse">
+            <a:avLst/>
+          </a:prstGeom>
+          <a:solidFill>
+            <a:schemeClr val="accent1"/>
+          </a:solidFill>
+          <a:ln w="9525" algn="ctr">
+            <a:solidFill>
+              <a:schemeClr val="tx1"/>
+            </a:solidFill>
+            <a:round/>
+            <a:headEnd/>
+            <a:tailEnd/>
+          </a:ln>
+        </p:spPr>
+        <p:txBody>
+          <a:bodyPr lIns="0" tIns="0" rIns="0" bIns="0" anchor="ctr"/>
+          <a:lstStyle/>
+          <a:p>
+            <a:pPr algn="ctr" eaLnBrk="0" hangingPunct="0"/>
+            <a:r>
+              <a:rPr lang="en-CA" b="1">
+                <a:latin typeface="Times" pitchFamily="18" charset="0"/>
+              </a:rPr>
+              <a:t>7</a:t>
+            </a:r>
+          </a:p>
+        </p:txBody>
+      </p:sp>
+      <p:sp>
+        <p:nvSpPr>
+          <p:cNvPr id="23" name="Oval 47"/>
+          <p:cNvSpPr>
+            <a:spLocks noChangeArrowheads="1"/>
+          </p:cNvSpPr>
+          <p:nvPr/>
+        </p:nvSpPr>
+        <p:spPr bwMode="auto">
+          <a:xfrm>
+            <a:off x="8248328" y="2403376"/>
+            <a:ext cx="304800" cy="304800"/>
+          </a:xfrm>
+          <a:prstGeom prst="ellipse">
+            <a:avLst/>
+          </a:prstGeom>
+          <a:solidFill>
+            <a:schemeClr val="accent1"/>
+          </a:solidFill>
+          <a:ln w="9525" algn="ctr">
+            <a:solidFill>
+              <a:schemeClr val="tx1"/>
+            </a:solidFill>
+            <a:round/>
+            <a:headEnd/>
+            <a:tailEnd/>
+          </a:ln>
+        </p:spPr>
+        <p:txBody>
+          <a:bodyPr lIns="0" tIns="0" rIns="0" bIns="0" anchor="ctr"/>
+          <a:lstStyle/>
+          <a:p>
+            <a:pPr algn="ctr" eaLnBrk="0" hangingPunct="0"/>
+            <a:r>
+              <a:rPr lang="en-CA" b="1">
+                <a:latin typeface="Times" pitchFamily="18" charset="0"/>
+              </a:rPr>
+              <a:t>9</a:t>
+            </a:r>
+          </a:p>
+        </p:txBody>
+      </p:sp>
+      <p:sp>
+        <p:nvSpPr>
+          <p:cNvPr id="24" name="Oval 49"/>
+          <p:cNvSpPr>
+            <a:spLocks noChangeArrowheads="1"/>
+          </p:cNvSpPr>
+          <p:nvPr/>
+        </p:nvSpPr>
+        <p:spPr bwMode="auto">
+          <a:xfrm>
+            <a:off x="7029128" y="2479576"/>
+            <a:ext cx="304800" cy="304800"/>
+          </a:xfrm>
+          <a:prstGeom prst="ellipse">
+            <a:avLst/>
+          </a:prstGeom>
+          <a:solidFill>
+            <a:schemeClr val="accent1"/>
+          </a:solidFill>
+          <a:ln w="9525" algn="ctr">
+            <a:solidFill>
+              <a:schemeClr val="tx1"/>
+            </a:solidFill>
+            <a:round/>
+            <a:headEnd/>
+            <a:tailEnd/>
+          </a:ln>
+        </p:spPr>
+        <p:txBody>
+          <a:bodyPr lIns="0" tIns="0" rIns="0" bIns="0" anchor="ctr"/>
+          <a:lstStyle/>
+          <a:p>
+            <a:pPr algn="ctr" eaLnBrk="0" hangingPunct="0"/>
+            <a:r>
+              <a:rPr lang="en-CA" b="1">
+                <a:latin typeface="Times" pitchFamily="18" charset="0"/>
+              </a:rPr>
+              <a:t>8</a:t>
+            </a:r>
+          </a:p>
+        </p:txBody>
+      </p:sp>
+      <p:cxnSp>
+        <p:nvCxnSpPr>
+          <p:cNvPr id="25" name="Shape 57"/>
+          <p:cNvCxnSpPr>
+            <a:cxnSpLocks noChangeShapeType="1"/>
+            <a:stCxn id="23" idx="0"/>
+            <a:endCxn id="28" idx="6"/>
+          </p:cNvCxnSpPr>
+          <p:nvPr/>
+        </p:nvCxnSpPr>
+        <p:spPr bwMode="auto">
+          <a:xfrm rot="16200000" flipV="1">
+            <a:off x="7676828" y="1679476"/>
+            <a:ext cx="381000" cy="1066800"/>
+          </a:xfrm>
+          <a:prstGeom prst="curvedConnector2">
+            <a:avLst/>
+          </a:prstGeom>
+          <a:noFill/>
+          <a:ln w="38100" algn="ctr">
+            <a:solidFill>
+              <a:srgbClr val="FF0000"/>
+            </a:solidFill>
+            <a:round/>
+            <a:headEnd/>
+            <a:tailEnd type="arrow" w="med" len="med"/>
+          </a:ln>
+        </p:spPr>
+      </p:cxnSp>
+      <p:sp>
+        <p:nvSpPr>
+          <p:cNvPr id="26" name="Content Placeholder 2"/>
           <p:cNvSpPr txBox="1">
             <a:spLocks/>
           </p:cNvSpPr>
           <p:nvPr/>
         </p:nvSpPr>
-        <p:spPr>
-          <a:xfrm>
-            <a:off x="495676" y="1052736"/>
-            <a:ext cx="8405188" cy="3600400"/>
+        <p:spPr bwMode="auto">
+          <a:xfrm>
+            <a:off x="7638728" y="1565176"/>
+            <a:ext cx="1219200" cy="609600"/>
           </a:xfrm>
           <a:prstGeom prst="rect">
             <a:avLst/>
           </a:prstGeom>
-        </p:spPr>
-        <p:txBody>
-          <a:bodyPr vert="horz" lIns="91440" tIns="45720" rIns="91440" bIns="45720" rtlCol="0">
-            <a:noAutofit/>
-          </a:bodyPr>
-          <a:lstStyle>
-            <a:lvl1pPr marL="342900" indent="-342900" algn="l" defTabSz="914400" rtl="0" eaLnBrk="1" latinLnBrk="0" hangingPunct="1">
-              <a:spcBef>
-                <a:spcPts val="1200"/>
-              </a:spcBef>
-              <a:spcAft>
-                <a:spcPts val="1200"/>
-              </a:spcAft>
-              <a:buFont typeface="Arial" pitchFamily="34" charset="0"/>
-              <a:buChar char="•"/>
-              <a:defRPr sz="2800" kern="1200">
-                <a:solidFill>
-                  <a:schemeClr val="tx1"/>
+          <a:noFill/>
+          <a:ln w="9525">
+            <a:noFill/>
+            <a:miter lim="800000"/>
+            <a:headEnd/>
+            <a:tailEnd/>
+          </a:ln>
+        </p:spPr>
+        <p:txBody>
+          <a:bodyPr lIns="0" tIns="0" rIns="0" bIns="0"/>
+          <a:lstStyle/>
+          <a:p>
+            <a:pPr marL="363538" indent="-363538" eaLnBrk="0" hangingPunct="0">
+              <a:spcBef>
+                <a:spcPct val="20000"/>
+              </a:spcBef>
+              <a:tabLst>
+                <a:tab pos="230188" algn="l"/>
+              </a:tabLst>
+              <a:defRPr/>
+            </a:pPr>
+            <a:r>
+              <a:rPr lang="en-CA" sz="2800" kern="0" dirty="0">
+                <a:solidFill>
+                  <a:srgbClr val="C00000"/>
                 </a:solidFill>
                 <a:latin typeface="+mn-lt"/>
-                <a:ea typeface="+mn-ea"/>
-                <a:cs typeface="+mn-cs"/>
-              </a:defRPr>
-            </a:lvl1pPr>
-            <a:lvl2pPr marL="742950" indent="-285750" algn="l" defTabSz="914400" rtl="0" eaLnBrk="1" latinLnBrk="0" hangingPunct="1">
-              <a:spcBef>
-                <a:spcPts val="1200"/>
-              </a:spcBef>
-              <a:spcAft>
-                <a:spcPts val="1200"/>
-              </a:spcAft>
-              <a:buFont typeface="Arial" pitchFamily="34" charset="0"/>
-              <a:buChar char="–"/>
-              <a:defRPr sz="2400" kern="1200">
-                <a:solidFill>
-                  <a:schemeClr val="tx1"/>
-                </a:solidFill>
-                <a:latin typeface="+mn-lt"/>
-                <a:ea typeface="+mn-ea"/>
-                <a:cs typeface="+mn-cs"/>
-              </a:defRPr>
-            </a:lvl2pPr>
-            <a:lvl3pPr marL="1143000" indent="-228600" algn="l" defTabSz="914400" rtl="0" eaLnBrk="1" latinLnBrk="0" hangingPunct="1">
-              <a:spcBef>
-                <a:spcPts val="1200"/>
-              </a:spcBef>
-              <a:spcAft>
-                <a:spcPts val="1200"/>
-              </a:spcAft>
-              <a:buFont typeface="Arial" pitchFamily="34" charset="0"/>
-              <a:buChar char="•"/>
-              <a:defRPr sz="2000" kern="1200">
-                <a:solidFill>
-                  <a:schemeClr val="tx1"/>
-                </a:solidFill>
-                <a:latin typeface="+mn-lt"/>
-                <a:ea typeface="+mn-ea"/>
-                <a:cs typeface="+mn-cs"/>
-              </a:defRPr>
-            </a:lvl3pPr>
-            <a:lvl4pPr marL="1600200" indent="-228600" algn="l" defTabSz="914400" rtl="0" eaLnBrk="1" latinLnBrk="0" hangingPunct="1">
-              <a:spcBef>
-                <a:spcPts val="1200"/>
-              </a:spcBef>
-              <a:spcAft>
-                <a:spcPts val="1200"/>
-              </a:spcAft>
-              <a:buFont typeface="Arial" pitchFamily="34" charset="0"/>
-              <a:buChar char="–"/>
-              <a:defRPr sz="1800" kern="1200">
-                <a:solidFill>
-                  <a:schemeClr val="tx1"/>
-                </a:solidFill>
-                <a:latin typeface="+mn-lt"/>
-                <a:ea typeface="+mn-ea"/>
-                <a:cs typeface="+mn-cs"/>
-              </a:defRPr>
-            </a:lvl4pPr>
-            <a:lvl5pPr marL="2057400" indent="-228600" algn="l" defTabSz="914400" rtl="0" eaLnBrk="1" latinLnBrk="0" hangingPunct="1">
-              <a:spcBef>
-                <a:spcPts val="1200"/>
-              </a:spcBef>
-              <a:spcAft>
-                <a:spcPts val="1200"/>
-              </a:spcAft>
-              <a:buFont typeface="Arial" pitchFamily="34" charset="0"/>
-              <a:buChar char="»"/>
-              <a:defRPr sz="1800" kern="1200">
-                <a:solidFill>
-                  <a:schemeClr val="tx1"/>
-                </a:solidFill>
-                <a:latin typeface="+mn-lt"/>
-                <a:ea typeface="+mn-ea"/>
-                <a:cs typeface="+mn-cs"/>
-              </a:defRPr>
-            </a:lvl5pPr>
-            <a:lvl6pPr marL="2514600" indent="-228600" algn="l" defTabSz="914400" rtl="0" eaLnBrk="1" latinLnBrk="0" hangingPunct="1">
+              </a:rPr>
+              <a:t>merge</a:t>
+            </a:r>
+          </a:p>
+          <a:p>
+            <a:pPr marL="363538" indent="-363538" eaLnBrk="0" hangingPunct="0">
               <a:spcBef>
                 <a:spcPct val="20000"/>
               </a:spcBef>
-              <a:buFont typeface="Arial" pitchFamily="34" charset="0"/>
-              <a:buChar char="•"/>
-              <a:defRPr sz="2000" kern="1200">
-                <a:solidFill>
-                  <a:schemeClr val="tx1"/>
-                </a:solidFill>
-                <a:latin typeface="+mn-lt"/>
-                <a:ea typeface="+mn-ea"/>
-                <a:cs typeface="+mn-cs"/>
-              </a:defRPr>
-            </a:lvl6pPr>
-            <a:lvl7pPr marL="2971800" indent="-228600" algn="l" defTabSz="914400" rtl="0" eaLnBrk="1" latinLnBrk="0" hangingPunct="1">
-              <a:spcBef>
-                <a:spcPct val="20000"/>
-              </a:spcBef>
-              <a:buFont typeface="Arial" pitchFamily="34" charset="0"/>
-              <a:buChar char="•"/>
-              <a:defRPr sz="2000" kern="1200">
-                <a:solidFill>
-                  <a:schemeClr val="tx1"/>
-                </a:solidFill>
-                <a:latin typeface="+mn-lt"/>
-                <a:ea typeface="+mn-ea"/>
-                <a:cs typeface="+mn-cs"/>
-              </a:defRPr>
-            </a:lvl7pPr>
-            <a:lvl8pPr marL="3429000" indent="-228600" algn="l" defTabSz="914400" rtl="0" eaLnBrk="1" latinLnBrk="0" hangingPunct="1">
-              <a:spcBef>
-                <a:spcPct val="20000"/>
-              </a:spcBef>
-              <a:buFont typeface="Arial" pitchFamily="34" charset="0"/>
-              <a:buChar char="•"/>
-              <a:defRPr sz="2000" kern="1200">
-                <a:solidFill>
-                  <a:schemeClr val="tx1"/>
-                </a:solidFill>
-                <a:latin typeface="+mn-lt"/>
-                <a:ea typeface="+mn-ea"/>
-                <a:cs typeface="+mn-cs"/>
-              </a:defRPr>
-            </a:lvl8pPr>
-            <a:lvl9pPr marL="3886200" indent="-228600" algn="l" defTabSz="914400" rtl="0" eaLnBrk="1" latinLnBrk="0" hangingPunct="1">
-              <a:spcBef>
-                <a:spcPct val="20000"/>
-              </a:spcBef>
-              <a:buFont typeface="Arial" pitchFamily="34" charset="0"/>
-              <a:buChar char="•"/>
-              <a:defRPr sz="2000" kern="1200">
-                <a:solidFill>
-                  <a:schemeClr val="tx1"/>
-                </a:solidFill>
-                <a:latin typeface="+mn-lt"/>
-                <a:ea typeface="+mn-ea"/>
-                <a:cs typeface="+mn-cs"/>
-              </a:defRPr>
-            </a:lvl9pPr>
-          </a:lstStyle>
-          <a:p>
-            <a:pPr>
-              <a:spcBef>
-                <a:spcPts val="0"/>
-              </a:spcBef>
-              <a:spcAft>
-                <a:spcPts val="0"/>
-              </a:spcAft>
-            </a:pPr>
-            <a:r>
-              <a:rPr lang="en-CA" dirty="0"/>
-              <a:t>One common server stores all versions</a:t>
-            </a:r>
-          </a:p>
-          <a:p>
-            <a:pPr>
-              <a:spcBef>
-                <a:spcPts val="0"/>
-              </a:spcBef>
-              <a:spcAft>
-                <a:spcPts val="0"/>
-              </a:spcAft>
-            </a:pPr>
-            <a:r>
-              <a:rPr lang="en-CA" dirty="0"/>
-              <a:t>Automatic merge of trivial changes (if a line is not modified by multiple people)</a:t>
-            </a:r>
-          </a:p>
-        </p:txBody>
-      </p:sp>
+              <a:buFont typeface="Wingdings" pitchFamily="2" charset="2"/>
+              <a:buChar char="§"/>
+              <a:tabLst>
+                <a:tab pos="230188" algn="l"/>
+              </a:tabLst>
+              <a:defRPr/>
+            </a:pPr>
+            <a:endParaRPr lang="en-CA" sz="2800" kern="0" dirty="0">
+              <a:solidFill>
+                <a:srgbClr val="C00000"/>
+              </a:solidFill>
+              <a:latin typeface="+mn-lt"/>
+            </a:endParaRPr>
+          </a:p>
+        </p:txBody>
+      </p:sp>
+      <p:sp>
+        <p:nvSpPr>
+          <p:cNvPr id="27" name="Oval 27"/>
+          <p:cNvSpPr>
+            <a:spLocks noChangeArrowheads="1"/>
+          </p:cNvSpPr>
+          <p:nvPr/>
+        </p:nvSpPr>
+        <p:spPr bwMode="auto">
+          <a:xfrm>
+            <a:off x="7029128" y="2936776"/>
+            <a:ext cx="304800" cy="304800"/>
+          </a:xfrm>
+          <a:prstGeom prst="ellipse">
+            <a:avLst/>
+          </a:prstGeom>
+          <a:solidFill>
+            <a:schemeClr val="accent1"/>
+          </a:solidFill>
+          <a:ln w="9525" algn="ctr">
+            <a:solidFill>
+              <a:schemeClr val="tx1"/>
+            </a:solidFill>
+            <a:round/>
+            <a:headEnd/>
+            <a:tailEnd/>
+          </a:ln>
+        </p:spPr>
+        <p:txBody>
+          <a:bodyPr lIns="0" tIns="0" rIns="0" bIns="0" anchor="ctr"/>
+          <a:lstStyle/>
+          <a:p>
+            <a:pPr algn="ctr" eaLnBrk="0" hangingPunct="0"/>
+            <a:r>
+              <a:rPr lang="en-CA" b="1">
+                <a:latin typeface="Times" pitchFamily="18" charset="0"/>
+              </a:rPr>
+              <a:t>6</a:t>
+            </a:r>
+          </a:p>
+        </p:txBody>
+      </p:sp>
+      <p:sp>
+        <p:nvSpPr>
+          <p:cNvPr id="28" name="Oval 28"/>
+          <p:cNvSpPr>
+            <a:spLocks noChangeArrowheads="1"/>
+          </p:cNvSpPr>
+          <p:nvPr/>
+        </p:nvSpPr>
+        <p:spPr bwMode="auto">
+          <a:xfrm>
+            <a:off x="7029128" y="1869976"/>
+            <a:ext cx="304800" cy="304800"/>
+          </a:xfrm>
+          <a:prstGeom prst="ellipse">
+            <a:avLst/>
+          </a:prstGeom>
+          <a:solidFill>
+            <a:schemeClr val="accent1"/>
+          </a:solidFill>
+          <a:ln w="9525" algn="ctr">
+            <a:solidFill>
+              <a:schemeClr val="tx1"/>
+            </a:solidFill>
+            <a:round/>
+            <a:headEnd/>
+            <a:tailEnd/>
+          </a:ln>
+        </p:spPr>
+        <p:txBody>
+          <a:bodyPr lIns="0" tIns="0" rIns="0" bIns="0" anchor="ctr"/>
+          <a:lstStyle/>
+          <a:p>
+            <a:pPr algn="ctr" eaLnBrk="0" hangingPunct="0"/>
+            <a:r>
+              <a:rPr lang="en-CA" sz="1600" b="1">
+                <a:latin typeface="Times" pitchFamily="18" charset="0"/>
+              </a:rPr>
+              <a:t>10</a:t>
+            </a:r>
+          </a:p>
+        </p:txBody>
+      </p:sp>
+      <p:cxnSp>
+        <p:nvCxnSpPr>
+          <p:cNvPr id="29" name="Shape 35"/>
+          <p:cNvCxnSpPr>
+            <a:cxnSpLocks noChangeShapeType="1"/>
+            <a:stCxn id="21" idx="0"/>
+            <a:endCxn id="27" idx="6"/>
+          </p:cNvCxnSpPr>
+          <p:nvPr/>
+        </p:nvCxnSpPr>
+        <p:spPr bwMode="auto">
+          <a:xfrm rot="16200000" flipV="1">
+            <a:off x="7486328" y="2936776"/>
+            <a:ext cx="152400" cy="457200"/>
+          </a:xfrm>
+          <a:prstGeom prst="curvedConnector2">
+            <a:avLst/>
+          </a:prstGeom>
+          <a:noFill/>
+          <a:ln w="38100" algn="ctr">
+            <a:solidFill>
+              <a:srgbClr val="FF0000"/>
+            </a:solidFill>
+            <a:round/>
+            <a:headEnd/>
+            <a:tailEnd type="arrow" w="med" len="med"/>
+          </a:ln>
+        </p:spPr>
+      </p:cxnSp>
       <p:pic>
         <p:nvPicPr>
-          <p:cNvPr id="37" name="Picture 5"/>
+          <p:cNvPr id="30" name="Picture 2"/>
           <p:cNvPicPr>
             <a:picLocks noChangeAspect="1" noChangeArrowheads="1"/>
           </p:cNvPicPr>
@@ -3503,15 +4026,15 @@
               </a:ext>
             </a:extLst>
           </a:blip>
-          <a:srcRect r="43103" b="66512"/>
+          <a:srcRect/>
           <a:stretch>
             <a:fillRect/>
           </a:stretch>
         </p:blipFill>
         <p:spPr bwMode="auto">
           <a:xfrm>
-            <a:off x="1331640" y="2631710"/>
-            <a:ext cx="6302553" cy="2946648"/>
+            <a:off x="1390328" y="2098576"/>
+            <a:ext cx="4286250" cy="3551238"/>
           </a:xfrm>
           <a:prstGeom prst="rect">
             <a:avLst/>
@@ -3541,10 +4064,238 @@
           </a:extLst>
         </p:spPr>
       </p:pic>
+      <p:cxnSp>
+        <p:nvCxnSpPr>
+          <p:cNvPr id="32" name="Straight Arrow Connector 31"/>
+          <p:cNvCxnSpPr/>
+          <p:nvPr/>
+        </p:nvCxnSpPr>
+        <p:spPr bwMode="auto">
+          <a:xfrm rot="16200000" flipH="1">
+            <a:off x="1618928" y="1946176"/>
+            <a:ext cx="838200" cy="533400"/>
+          </a:xfrm>
+          <a:prstGeom prst="straightConnector1">
+            <a:avLst/>
+          </a:prstGeom>
+          <a:ln>
+            <a:solidFill>
+              <a:srgbClr val="C00000"/>
+            </a:solidFill>
+            <a:headEnd type="none" w="med" len="med"/>
+            <a:tailEnd type="arrow"/>
+          </a:ln>
+        </p:spPr>
+        <p:style>
+          <a:lnRef idx="2">
+            <a:schemeClr val="accent2"/>
+          </a:lnRef>
+          <a:fillRef idx="0">
+            <a:schemeClr val="accent2"/>
+          </a:fillRef>
+          <a:effectRef idx="1">
+            <a:schemeClr val="accent2"/>
+          </a:effectRef>
+          <a:fontRef idx="minor">
+            <a:schemeClr val="tx1"/>
+          </a:fontRef>
+        </p:style>
+      </p:cxnSp>
+      <p:sp>
+        <p:nvSpPr>
+          <p:cNvPr id="33" name="Content Placeholder 2"/>
+          <p:cNvSpPr txBox="1">
+            <a:spLocks/>
+          </p:cNvSpPr>
+          <p:nvPr/>
+        </p:nvSpPr>
+        <p:spPr bwMode="auto">
+          <a:xfrm>
+            <a:off x="3752528" y="1412776"/>
+            <a:ext cx="3124200" cy="609600"/>
+          </a:xfrm>
+          <a:prstGeom prst="rect">
+            <a:avLst/>
+          </a:prstGeom>
+          <a:noFill/>
+          <a:ln w="9525">
+            <a:noFill/>
+            <a:miter lim="800000"/>
+            <a:headEnd/>
+            <a:tailEnd/>
+          </a:ln>
+        </p:spPr>
+        <p:txBody>
+          <a:bodyPr lIns="0" tIns="0" rIns="0" bIns="0"/>
+          <a:lstStyle/>
+          <a:p>
+            <a:pPr marL="363538" indent="-363538" algn="ctr" eaLnBrk="0" hangingPunct="0">
+              <a:spcBef>
+                <a:spcPct val="20000"/>
+              </a:spcBef>
+              <a:tabLst>
+                <a:tab pos="230188" algn="l"/>
+              </a:tabLst>
+              <a:defRPr/>
+            </a:pPr>
+            <a:r>
+              <a:rPr lang="en-CA" sz="2800" kern="0" dirty="0">
+                <a:solidFill>
+                  <a:srgbClr val="C00000"/>
+                </a:solidFill>
+                <a:latin typeface="+mn-lt"/>
+              </a:rPr>
+              <a:t>My modifications</a:t>
+            </a:r>
+          </a:p>
+          <a:p>
+            <a:pPr marL="363538" indent="-363538" eaLnBrk="0" hangingPunct="0">
+              <a:spcBef>
+                <a:spcPct val="20000"/>
+              </a:spcBef>
+              <a:buFont typeface="Wingdings" pitchFamily="2" charset="2"/>
+              <a:buChar char="§"/>
+              <a:tabLst>
+                <a:tab pos="230188" algn="l"/>
+              </a:tabLst>
+              <a:defRPr/>
+            </a:pPr>
+            <a:endParaRPr lang="en-CA" sz="2800" kern="0" dirty="0">
+              <a:solidFill>
+                <a:srgbClr val="C00000"/>
+              </a:solidFill>
+              <a:latin typeface="+mn-lt"/>
+            </a:endParaRPr>
+          </a:p>
+        </p:txBody>
+      </p:sp>
+      <p:cxnSp>
+        <p:nvCxnSpPr>
+          <p:cNvPr id="34" name="Straight Arrow Connector 33"/>
+          <p:cNvCxnSpPr/>
+          <p:nvPr/>
+        </p:nvCxnSpPr>
+        <p:spPr bwMode="auto">
+          <a:xfrm rot="5400000">
+            <a:off x="4247828" y="1984276"/>
+            <a:ext cx="838200" cy="457200"/>
+          </a:xfrm>
+          <a:prstGeom prst="straightConnector1">
+            <a:avLst/>
+          </a:prstGeom>
+          <a:ln>
+            <a:solidFill>
+              <a:srgbClr val="C00000"/>
+            </a:solidFill>
+            <a:headEnd type="none" w="med" len="med"/>
+            <a:tailEnd type="arrow"/>
+          </a:ln>
+        </p:spPr>
+        <p:style>
+          <a:lnRef idx="2">
+            <a:schemeClr val="accent2"/>
+          </a:lnRef>
+          <a:fillRef idx="0">
+            <a:schemeClr val="accent2"/>
+          </a:fillRef>
+          <a:effectRef idx="1">
+            <a:schemeClr val="accent2"/>
+          </a:effectRef>
+          <a:fontRef idx="minor">
+            <a:schemeClr val="tx1"/>
+          </a:fontRef>
+        </p:style>
+      </p:cxnSp>
+      <p:cxnSp>
+        <p:nvCxnSpPr>
+          <p:cNvPr id="35" name="Straight Arrow Connector 34"/>
+          <p:cNvCxnSpPr/>
+          <p:nvPr/>
+        </p:nvCxnSpPr>
+        <p:spPr bwMode="auto">
+          <a:xfrm rot="5400000" flipH="1" flipV="1">
+            <a:off x="3295329" y="5527576"/>
+            <a:ext cx="457200" cy="3175"/>
+          </a:xfrm>
+          <a:prstGeom prst="straightConnector1">
+            <a:avLst/>
+          </a:prstGeom>
+          <a:ln>
+            <a:solidFill>
+              <a:srgbClr val="C00000"/>
+            </a:solidFill>
+            <a:headEnd type="none" w="med" len="med"/>
+            <a:tailEnd type="arrow"/>
+          </a:ln>
+        </p:spPr>
+        <p:style>
+          <a:lnRef idx="2">
+            <a:schemeClr val="accent2"/>
+          </a:lnRef>
+          <a:fillRef idx="0">
+            <a:schemeClr val="accent2"/>
+          </a:fillRef>
+          <a:effectRef idx="1">
+            <a:schemeClr val="accent2"/>
+          </a:effectRef>
+          <a:fontRef idx="minor">
+            <a:schemeClr val="tx1"/>
+          </a:fontRef>
+        </p:style>
+      </p:cxnSp>
+      <p:sp>
+        <p:nvSpPr>
+          <p:cNvPr id="36" name="Content Placeholder 2"/>
+          <p:cNvSpPr txBox="1">
+            <a:spLocks/>
+          </p:cNvSpPr>
+          <p:nvPr/>
+        </p:nvSpPr>
+        <p:spPr bwMode="auto">
+          <a:xfrm>
+            <a:off x="323528" y="1412776"/>
+            <a:ext cx="3352800" cy="609600"/>
+          </a:xfrm>
+          <a:prstGeom prst="rect">
+            <a:avLst/>
+          </a:prstGeom>
+          <a:noFill/>
+          <a:ln w="9525">
+            <a:noFill/>
+            <a:miter lim="800000"/>
+            <a:headEnd/>
+            <a:tailEnd/>
+          </a:ln>
+        </p:spPr>
+        <p:txBody>
+          <a:bodyPr lIns="0" tIns="0" rIns="0" bIns="0"/>
+          <a:lstStyle/>
+          <a:p>
+            <a:pPr marL="363538" indent="-363538" algn="ctr" eaLnBrk="0" hangingPunct="0">
+              <a:spcBef>
+                <a:spcPct val="20000"/>
+              </a:spcBef>
+              <a:tabLst>
+                <a:tab pos="230188" algn="l"/>
+              </a:tabLst>
+              <a:defRPr/>
+            </a:pPr>
+            <a:r>
+              <a:rPr lang="en-CA" sz="2800" kern="0" dirty="0">
+                <a:solidFill>
+                  <a:srgbClr val="C00000"/>
+                </a:solidFill>
+                <a:latin typeface="+mn-lt"/>
+              </a:rPr>
+              <a:t>Their modifications</a:t>
+            </a:r>
+          </a:p>
+        </p:txBody>
+      </p:sp>
     </p:spTree>
     <p:extLst>
       <p:ext uri="{BB962C8B-B14F-4D97-AF65-F5344CB8AC3E}">
-        <p14:creationId xmlns:p14="http://schemas.microsoft.com/office/powerpoint/2010/main" val="605342039"/>
+        <p14:creationId xmlns:p14="http://schemas.microsoft.com/office/powerpoint/2010/main" val="61738717"/>
       </p:ext>
     </p:extLst>
   </p:cSld>
@@ -23883,7 +24634,7 @@
         </p:nvGrpSpPr>
         <p:grpSpPr bwMode="auto">
           <a:xfrm>
-            <a:off x="4716016" y="2605689"/>
+            <a:off x="4868416" y="2190811"/>
             <a:ext cx="1828800" cy="1186710"/>
             <a:chOff x="2895600" y="3309090"/>
             <a:chExt cx="1828800" cy="1186710"/>
@@ -26013,15 +26764,7 @@
             <a:pPr algn="l"/>
             <a:r>
               <a:rPr lang="en-CA" sz="3600" dirty="0"/>
-              <a:t>Manages </a:t>
-            </a:r>
-            <a:r>
-              <a:rPr lang="en-CA" sz="3600" dirty="0" err="1"/>
-              <a:t>concurrect</a:t>
-            </a:r>
-            <a:r>
-              <a:rPr lang="en-CA" sz="3600" dirty="0"/>
-              <a:t> changes (merge)</a:t>
+              <a:t>Concurrent modifications by multiple people</a:t>
             </a:r>
           </a:p>
         </p:txBody>
@@ -26087,727 +26830,212 @@
           </a:p>
         </p:txBody>
       </p:sp>
-      <p:cxnSp>
-        <p:nvCxnSpPr>
-          <p:cNvPr id="10" name="Straight Connector 9"/>
-          <p:cNvCxnSpPr/>
-          <p:nvPr/>
-        </p:nvCxnSpPr>
-        <p:spPr bwMode="auto">
-          <a:xfrm rot="5400000">
-            <a:off x="4971728" y="3774976"/>
-            <a:ext cx="4419600" cy="0"/>
-          </a:xfrm>
-          <a:prstGeom prst="line">
-            <a:avLst/>
-          </a:prstGeom>
-          <a:ln>
-            <a:headEnd type="none" w="med" len="med"/>
-            <a:tailEnd type="none" w="med" len="med"/>
-          </a:ln>
-        </p:spPr>
-        <p:style>
-          <a:lnRef idx="3">
-            <a:schemeClr val="dk1"/>
-          </a:lnRef>
-          <a:fillRef idx="0">
-            <a:schemeClr val="dk1"/>
-          </a:fillRef>
-          <a:effectRef idx="2">
-            <a:schemeClr val="dk1"/>
-          </a:effectRef>
-          <a:fontRef idx="minor">
-            <a:schemeClr val="tx1"/>
-          </a:fontRef>
-        </p:style>
-      </p:cxnSp>
-      <p:cxnSp>
-        <p:nvCxnSpPr>
-          <p:cNvPr id="11" name="Straight Connector 10"/>
-          <p:cNvCxnSpPr/>
-          <p:nvPr/>
-        </p:nvCxnSpPr>
-        <p:spPr bwMode="auto">
-          <a:xfrm flipV="1">
-            <a:off x="7181528" y="4384576"/>
-            <a:ext cx="609600" cy="228600"/>
-          </a:xfrm>
-          <a:prstGeom prst="line">
-            <a:avLst/>
-          </a:prstGeom>
-          <a:ln>
-            <a:headEnd type="none" w="med" len="med"/>
-            <a:tailEnd type="none" w="med" len="med"/>
-          </a:ln>
-        </p:spPr>
-        <p:style>
-          <a:lnRef idx="2">
-            <a:schemeClr val="dk1"/>
-          </a:lnRef>
-          <a:fillRef idx="0">
-            <a:schemeClr val="dk1"/>
-          </a:fillRef>
-          <a:effectRef idx="1">
-            <a:schemeClr val="dk1"/>
-          </a:effectRef>
-          <a:fontRef idx="minor">
-            <a:schemeClr val="tx1"/>
-          </a:fontRef>
-        </p:style>
-      </p:cxnSp>
-      <p:cxnSp>
-        <p:nvCxnSpPr>
-          <p:cNvPr id="13" name="Straight Connector 12"/>
-          <p:cNvCxnSpPr>
-            <a:endCxn id="21" idx="0"/>
-          </p:cNvCxnSpPr>
-          <p:nvPr/>
-        </p:nvCxnSpPr>
-        <p:spPr bwMode="auto">
-          <a:xfrm rot="5400000" flipH="1" flipV="1">
-            <a:off x="7219628" y="3813076"/>
-            <a:ext cx="1143000" cy="0"/>
-          </a:xfrm>
-          <a:prstGeom prst="line">
-            <a:avLst/>
-          </a:prstGeom>
-          <a:ln>
-            <a:headEnd type="none" w="med" len="med"/>
-            <a:tailEnd type="none" w="med" len="med"/>
-          </a:ln>
-        </p:spPr>
-        <p:style>
-          <a:lnRef idx="2">
-            <a:schemeClr val="dk1"/>
-          </a:lnRef>
-          <a:fillRef idx="0">
-            <a:schemeClr val="dk1"/>
-          </a:fillRef>
-          <a:effectRef idx="1">
-            <a:schemeClr val="dk1"/>
-          </a:effectRef>
-          <a:fontRef idx="minor">
-            <a:schemeClr val="tx1"/>
-          </a:fontRef>
-        </p:style>
-      </p:cxnSp>
-      <p:sp>
-        <p:nvSpPr>
-          <p:cNvPr id="14" name="Oval 23"/>
-          <p:cNvSpPr>
-            <a:spLocks noChangeArrowheads="1"/>
-          </p:cNvSpPr>
-          <p:nvPr/>
-        </p:nvSpPr>
-        <p:spPr bwMode="auto">
-          <a:xfrm>
-            <a:off x="7029128" y="5222776"/>
-            <a:ext cx="304800" cy="304800"/>
-          </a:xfrm>
-          <a:prstGeom prst="ellipse">
-            <a:avLst/>
-          </a:prstGeom>
-          <a:solidFill>
-            <a:schemeClr val="accent1"/>
-          </a:solidFill>
-          <a:ln w="9525" algn="ctr">
-            <a:solidFill>
-              <a:schemeClr val="tx1"/>
-            </a:solidFill>
-            <a:round/>
-            <a:headEnd/>
-            <a:tailEnd/>
-          </a:ln>
-        </p:spPr>
-        <p:txBody>
-          <a:bodyPr lIns="0" tIns="0" rIns="0" bIns="0" anchor="ctr"/>
-          <a:lstStyle/>
-          <a:p>
-            <a:pPr algn="ctr" eaLnBrk="0" hangingPunct="0"/>
-            <a:r>
-              <a:rPr lang="en-CA" b="1">
-                <a:latin typeface="Times" pitchFamily="18" charset="0"/>
-              </a:rPr>
-              <a:t>1</a:t>
-            </a:r>
-          </a:p>
-        </p:txBody>
-      </p:sp>
-      <p:cxnSp>
-        <p:nvCxnSpPr>
-          <p:cNvPr id="16" name="Straight Connector 15"/>
-          <p:cNvCxnSpPr/>
-          <p:nvPr/>
-        </p:nvCxnSpPr>
-        <p:spPr bwMode="auto">
-          <a:xfrm flipV="1">
-            <a:off x="7791128" y="3546376"/>
-            <a:ext cx="609600" cy="228600"/>
-          </a:xfrm>
-          <a:prstGeom prst="line">
-            <a:avLst/>
-          </a:prstGeom>
-          <a:ln>
-            <a:headEnd type="none" w="med" len="med"/>
-            <a:tailEnd type="none" w="med" len="med"/>
-          </a:ln>
-        </p:spPr>
-        <p:style>
-          <a:lnRef idx="2">
-            <a:schemeClr val="dk1"/>
-          </a:lnRef>
-          <a:fillRef idx="0">
-            <a:schemeClr val="dk1"/>
-          </a:fillRef>
-          <a:effectRef idx="1">
-            <a:schemeClr val="dk1"/>
-          </a:effectRef>
-          <a:fontRef idx="minor">
-            <a:schemeClr val="tx1"/>
-          </a:fontRef>
-        </p:style>
-      </p:cxnSp>
-      <p:cxnSp>
-        <p:nvCxnSpPr>
-          <p:cNvPr id="17" name="Straight Connector 16"/>
-          <p:cNvCxnSpPr/>
-          <p:nvPr/>
-        </p:nvCxnSpPr>
-        <p:spPr bwMode="auto">
-          <a:xfrm rot="5400000" flipH="1" flipV="1">
-            <a:off x="7829228" y="2974876"/>
-            <a:ext cx="1143000" cy="0"/>
-          </a:xfrm>
-          <a:prstGeom prst="line">
-            <a:avLst/>
-          </a:prstGeom>
-          <a:ln>
-            <a:headEnd type="none" w="med" len="med"/>
-            <a:tailEnd type="none" w="med" len="med"/>
-          </a:ln>
-        </p:spPr>
-        <p:style>
-          <a:lnRef idx="2">
-            <a:schemeClr val="dk1"/>
-          </a:lnRef>
-          <a:fillRef idx="0">
-            <a:schemeClr val="dk1"/>
-          </a:fillRef>
-          <a:effectRef idx="1">
-            <a:schemeClr val="dk1"/>
-          </a:effectRef>
-          <a:fontRef idx="minor">
-            <a:schemeClr val="tx1"/>
-          </a:fontRef>
-        </p:style>
-      </p:cxnSp>
-      <p:sp>
-        <p:nvSpPr>
-          <p:cNvPr id="18" name="Oval 41"/>
-          <p:cNvSpPr>
-            <a:spLocks noChangeArrowheads="1"/>
-          </p:cNvSpPr>
-          <p:nvPr/>
-        </p:nvSpPr>
-        <p:spPr bwMode="auto">
-          <a:xfrm>
-            <a:off x="7029128" y="4765576"/>
-            <a:ext cx="304800" cy="304800"/>
-          </a:xfrm>
-          <a:prstGeom prst="ellipse">
-            <a:avLst/>
-          </a:prstGeom>
-          <a:solidFill>
-            <a:schemeClr val="accent1"/>
-          </a:solidFill>
-          <a:ln w="9525" algn="ctr">
-            <a:solidFill>
-              <a:schemeClr val="tx1"/>
-            </a:solidFill>
-            <a:round/>
-            <a:headEnd/>
-            <a:tailEnd/>
-          </a:ln>
-        </p:spPr>
-        <p:txBody>
-          <a:bodyPr lIns="0" tIns="0" rIns="0" bIns="0" anchor="ctr"/>
-          <a:lstStyle/>
-          <a:p>
-            <a:pPr algn="ctr" eaLnBrk="0" hangingPunct="0"/>
-            <a:r>
-              <a:rPr lang="en-CA" b="1">
-                <a:latin typeface="Times" pitchFamily="18" charset="0"/>
-              </a:rPr>
-              <a:t>2</a:t>
-            </a:r>
-          </a:p>
-        </p:txBody>
-      </p:sp>
-      <p:sp>
-        <p:nvSpPr>
-          <p:cNvPr id="19" name="Oval 42"/>
-          <p:cNvSpPr>
-            <a:spLocks noChangeArrowheads="1"/>
-          </p:cNvSpPr>
-          <p:nvPr/>
-        </p:nvSpPr>
-        <p:spPr bwMode="auto">
-          <a:xfrm>
-            <a:off x="7029128" y="4155976"/>
-            <a:ext cx="304800" cy="304800"/>
-          </a:xfrm>
-          <a:prstGeom prst="ellipse">
-            <a:avLst/>
-          </a:prstGeom>
-          <a:solidFill>
-            <a:schemeClr val="accent1"/>
-          </a:solidFill>
-          <a:ln w="9525" algn="ctr">
-            <a:solidFill>
-              <a:schemeClr val="tx1"/>
-            </a:solidFill>
-            <a:round/>
-            <a:headEnd/>
-            <a:tailEnd/>
-          </a:ln>
-        </p:spPr>
-        <p:txBody>
-          <a:bodyPr lIns="0" tIns="0" rIns="0" bIns="0" anchor="ctr"/>
-          <a:lstStyle/>
-          <a:p>
-            <a:pPr algn="ctr" eaLnBrk="0" hangingPunct="0"/>
-            <a:r>
-              <a:rPr lang="en-CA" b="1">
-                <a:latin typeface="Times" pitchFamily="18" charset="0"/>
-              </a:rPr>
-              <a:t>3</a:t>
-            </a:r>
-          </a:p>
-        </p:txBody>
-      </p:sp>
-      <p:sp>
-        <p:nvSpPr>
-          <p:cNvPr id="20" name="Oval 43"/>
-          <p:cNvSpPr>
-            <a:spLocks noChangeArrowheads="1"/>
-          </p:cNvSpPr>
-          <p:nvPr/>
-        </p:nvSpPr>
-        <p:spPr bwMode="auto">
-          <a:xfrm>
-            <a:off x="7638728" y="3927376"/>
-            <a:ext cx="304800" cy="304800"/>
-          </a:xfrm>
-          <a:prstGeom prst="ellipse">
-            <a:avLst/>
-          </a:prstGeom>
-          <a:solidFill>
-            <a:schemeClr val="accent1"/>
-          </a:solidFill>
-          <a:ln w="9525" algn="ctr">
-            <a:solidFill>
-              <a:schemeClr val="tx1"/>
-            </a:solidFill>
-            <a:round/>
-            <a:headEnd/>
-            <a:tailEnd/>
-          </a:ln>
-        </p:spPr>
-        <p:txBody>
-          <a:bodyPr lIns="0" tIns="0" rIns="0" bIns="0" anchor="ctr"/>
-          <a:lstStyle/>
-          <a:p>
-            <a:pPr algn="ctr" eaLnBrk="0" hangingPunct="0"/>
-            <a:r>
-              <a:rPr lang="en-CA" b="1">
-                <a:latin typeface="Times" pitchFamily="18" charset="0"/>
-              </a:rPr>
-              <a:t>4</a:t>
-            </a:r>
-          </a:p>
-        </p:txBody>
-      </p:sp>
-      <p:sp>
-        <p:nvSpPr>
-          <p:cNvPr id="21" name="Oval 45"/>
-          <p:cNvSpPr>
-            <a:spLocks noChangeArrowheads="1"/>
-          </p:cNvSpPr>
-          <p:nvPr/>
-        </p:nvSpPr>
-        <p:spPr bwMode="auto">
-          <a:xfrm>
-            <a:off x="7638728" y="3241576"/>
-            <a:ext cx="304800" cy="304800"/>
-          </a:xfrm>
-          <a:prstGeom prst="ellipse">
-            <a:avLst/>
-          </a:prstGeom>
-          <a:solidFill>
-            <a:schemeClr val="accent1"/>
-          </a:solidFill>
-          <a:ln w="9525" algn="ctr">
-            <a:solidFill>
-              <a:schemeClr val="tx1"/>
-            </a:solidFill>
-            <a:round/>
-            <a:headEnd/>
-            <a:tailEnd/>
-          </a:ln>
-        </p:spPr>
-        <p:txBody>
-          <a:bodyPr lIns="0" tIns="0" rIns="0" bIns="0" anchor="ctr"/>
-          <a:lstStyle/>
-          <a:p>
-            <a:pPr algn="ctr" eaLnBrk="0" hangingPunct="0"/>
-            <a:r>
-              <a:rPr lang="en-CA" b="1">
-                <a:latin typeface="Times" pitchFamily="18" charset="0"/>
-              </a:rPr>
-              <a:t>5</a:t>
-            </a:r>
-          </a:p>
-        </p:txBody>
-      </p:sp>
-      <p:sp>
-        <p:nvSpPr>
-          <p:cNvPr id="22" name="Oval 46"/>
-          <p:cNvSpPr>
-            <a:spLocks noChangeArrowheads="1"/>
-          </p:cNvSpPr>
-          <p:nvPr/>
-        </p:nvSpPr>
-        <p:spPr bwMode="auto">
-          <a:xfrm>
-            <a:off x="8248328" y="2860576"/>
-            <a:ext cx="304800" cy="304800"/>
-          </a:xfrm>
-          <a:prstGeom prst="ellipse">
-            <a:avLst/>
-          </a:prstGeom>
-          <a:solidFill>
-            <a:schemeClr val="accent1"/>
-          </a:solidFill>
-          <a:ln w="9525" algn="ctr">
-            <a:solidFill>
-              <a:schemeClr val="tx1"/>
-            </a:solidFill>
-            <a:round/>
-            <a:headEnd/>
-            <a:tailEnd/>
-          </a:ln>
-        </p:spPr>
-        <p:txBody>
-          <a:bodyPr lIns="0" tIns="0" rIns="0" bIns="0" anchor="ctr"/>
-          <a:lstStyle/>
-          <a:p>
-            <a:pPr algn="ctr" eaLnBrk="0" hangingPunct="0"/>
-            <a:r>
-              <a:rPr lang="en-CA" b="1">
-                <a:latin typeface="Times" pitchFamily="18" charset="0"/>
-              </a:rPr>
-              <a:t>7</a:t>
-            </a:r>
-          </a:p>
-        </p:txBody>
-      </p:sp>
-      <p:sp>
-        <p:nvSpPr>
-          <p:cNvPr id="23" name="Oval 47"/>
-          <p:cNvSpPr>
-            <a:spLocks noChangeArrowheads="1"/>
-          </p:cNvSpPr>
-          <p:nvPr/>
-        </p:nvSpPr>
-        <p:spPr bwMode="auto">
-          <a:xfrm>
-            <a:off x="8248328" y="2403376"/>
-            <a:ext cx="304800" cy="304800"/>
-          </a:xfrm>
-          <a:prstGeom prst="ellipse">
-            <a:avLst/>
-          </a:prstGeom>
-          <a:solidFill>
-            <a:schemeClr val="accent1"/>
-          </a:solidFill>
-          <a:ln w="9525" algn="ctr">
-            <a:solidFill>
-              <a:schemeClr val="tx1"/>
-            </a:solidFill>
-            <a:round/>
-            <a:headEnd/>
-            <a:tailEnd/>
-          </a:ln>
-        </p:spPr>
-        <p:txBody>
-          <a:bodyPr lIns="0" tIns="0" rIns="0" bIns="0" anchor="ctr"/>
-          <a:lstStyle/>
-          <a:p>
-            <a:pPr algn="ctr" eaLnBrk="0" hangingPunct="0"/>
-            <a:r>
-              <a:rPr lang="en-CA" b="1">
-                <a:latin typeface="Times" pitchFamily="18" charset="0"/>
-              </a:rPr>
-              <a:t>9</a:t>
-            </a:r>
-          </a:p>
-        </p:txBody>
-      </p:sp>
-      <p:sp>
-        <p:nvSpPr>
-          <p:cNvPr id="24" name="Oval 49"/>
-          <p:cNvSpPr>
-            <a:spLocks noChangeArrowheads="1"/>
-          </p:cNvSpPr>
-          <p:nvPr/>
-        </p:nvSpPr>
-        <p:spPr bwMode="auto">
-          <a:xfrm>
-            <a:off x="7029128" y="2479576"/>
-            <a:ext cx="304800" cy="304800"/>
-          </a:xfrm>
-          <a:prstGeom prst="ellipse">
-            <a:avLst/>
-          </a:prstGeom>
-          <a:solidFill>
-            <a:schemeClr val="accent1"/>
-          </a:solidFill>
-          <a:ln w="9525" algn="ctr">
-            <a:solidFill>
-              <a:schemeClr val="tx1"/>
-            </a:solidFill>
-            <a:round/>
-            <a:headEnd/>
-            <a:tailEnd/>
-          </a:ln>
-        </p:spPr>
-        <p:txBody>
-          <a:bodyPr lIns="0" tIns="0" rIns="0" bIns="0" anchor="ctr"/>
-          <a:lstStyle/>
-          <a:p>
-            <a:pPr algn="ctr" eaLnBrk="0" hangingPunct="0"/>
-            <a:r>
-              <a:rPr lang="en-CA" b="1">
-                <a:latin typeface="Times" pitchFamily="18" charset="0"/>
-              </a:rPr>
-              <a:t>8</a:t>
-            </a:r>
-          </a:p>
-        </p:txBody>
-      </p:sp>
-      <p:cxnSp>
-        <p:nvCxnSpPr>
-          <p:cNvPr id="25" name="Shape 57"/>
-          <p:cNvCxnSpPr>
-            <a:cxnSpLocks noChangeShapeType="1"/>
-            <a:stCxn id="23" idx="0"/>
-            <a:endCxn id="28" idx="6"/>
-          </p:cNvCxnSpPr>
-          <p:nvPr/>
-        </p:nvCxnSpPr>
-        <p:spPr bwMode="auto">
-          <a:xfrm rot="16200000" flipV="1">
-            <a:off x="7676828" y="1679476"/>
-            <a:ext cx="381000" cy="1066800"/>
-          </a:xfrm>
-          <a:prstGeom prst="curvedConnector2">
-            <a:avLst/>
-          </a:prstGeom>
-          <a:noFill/>
-          <a:ln w="38100" algn="ctr">
-            <a:solidFill>
-              <a:srgbClr val="FF0000"/>
-            </a:solidFill>
-            <a:round/>
-            <a:headEnd/>
-            <a:tailEnd type="arrow" w="med" len="med"/>
-          </a:ln>
-        </p:spPr>
-      </p:cxnSp>
-      <p:sp>
-        <p:nvSpPr>
-          <p:cNvPr id="26" name="Content Placeholder 2"/>
+      <p:sp>
+        <p:nvSpPr>
+          <p:cNvPr id="36" name="Content Placeholder 1"/>
           <p:cNvSpPr txBox="1">
             <a:spLocks/>
           </p:cNvSpPr>
           <p:nvPr/>
         </p:nvSpPr>
-        <p:spPr bwMode="auto">
-          <a:xfrm>
-            <a:off x="7638728" y="1565176"/>
-            <a:ext cx="1219200" cy="609600"/>
+        <p:spPr>
+          <a:xfrm>
+            <a:off x="495676" y="1052736"/>
+            <a:ext cx="8405188" cy="3600400"/>
           </a:xfrm>
           <a:prstGeom prst="rect">
             <a:avLst/>
           </a:prstGeom>
-          <a:noFill/>
-          <a:ln w="9525">
-            <a:noFill/>
-            <a:miter lim="800000"/>
-            <a:headEnd/>
-            <a:tailEnd/>
-          </a:ln>
-        </p:spPr>
-        <p:txBody>
-          <a:bodyPr lIns="0" tIns="0" rIns="0" bIns="0"/>
-          <a:lstStyle/>
-          <a:p>
-            <a:pPr marL="363538" indent="-363538" eaLnBrk="0" hangingPunct="0">
+        </p:spPr>
+        <p:txBody>
+          <a:bodyPr vert="horz" lIns="91440" tIns="45720" rIns="91440" bIns="45720" rtlCol="0">
+            <a:noAutofit/>
+          </a:bodyPr>
+          <a:lstStyle>
+            <a:lvl1pPr marL="342900" indent="-342900" algn="l" defTabSz="914400" rtl="0" eaLnBrk="1" latinLnBrk="0" hangingPunct="1">
+              <a:spcBef>
+                <a:spcPts val="1200"/>
+              </a:spcBef>
+              <a:spcAft>
+                <a:spcPts val="1200"/>
+              </a:spcAft>
+              <a:buFont typeface="Arial" pitchFamily="34" charset="0"/>
+              <a:buChar char="•"/>
+              <a:defRPr sz="2800" kern="1200">
+                <a:solidFill>
+                  <a:schemeClr val="tx1"/>
+                </a:solidFill>
+                <a:latin typeface="+mn-lt"/>
+                <a:ea typeface="+mn-ea"/>
+                <a:cs typeface="+mn-cs"/>
+              </a:defRPr>
+            </a:lvl1pPr>
+            <a:lvl2pPr marL="742950" indent="-285750" algn="l" defTabSz="914400" rtl="0" eaLnBrk="1" latinLnBrk="0" hangingPunct="1">
+              <a:spcBef>
+                <a:spcPts val="1200"/>
+              </a:spcBef>
+              <a:spcAft>
+                <a:spcPts val="1200"/>
+              </a:spcAft>
+              <a:buFont typeface="Arial" pitchFamily="34" charset="0"/>
+              <a:buChar char="–"/>
+              <a:defRPr sz="2400" kern="1200">
+                <a:solidFill>
+                  <a:schemeClr val="tx1"/>
+                </a:solidFill>
+                <a:latin typeface="+mn-lt"/>
+                <a:ea typeface="+mn-ea"/>
+                <a:cs typeface="+mn-cs"/>
+              </a:defRPr>
+            </a:lvl2pPr>
+            <a:lvl3pPr marL="1143000" indent="-228600" algn="l" defTabSz="914400" rtl="0" eaLnBrk="1" latinLnBrk="0" hangingPunct="1">
+              <a:spcBef>
+                <a:spcPts val="1200"/>
+              </a:spcBef>
+              <a:spcAft>
+                <a:spcPts val="1200"/>
+              </a:spcAft>
+              <a:buFont typeface="Arial" pitchFamily="34" charset="0"/>
+              <a:buChar char="•"/>
+              <a:defRPr sz="2000" kern="1200">
+                <a:solidFill>
+                  <a:schemeClr val="tx1"/>
+                </a:solidFill>
+                <a:latin typeface="+mn-lt"/>
+                <a:ea typeface="+mn-ea"/>
+                <a:cs typeface="+mn-cs"/>
+              </a:defRPr>
+            </a:lvl3pPr>
+            <a:lvl4pPr marL="1600200" indent="-228600" algn="l" defTabSz="914400" rtl="0" eaLnBrk="1" latinLnBrk="0" hangingPunct="1">
+              <a:spcBef>
+                <a:spcPts val="1200"/>
+              </a:spcBef>
+              <a:spcAft>
+                <a:spcPts val="1200"/>
+              </a:spcAft>
+              <a:buFont typeface="Arial" pitchFamily="34" charset="0"/>
+              <a:buChar char="–"/>
+              <a:defRPr sz="1800" kern="1200">
+                <a:solidFill>
+                  <a:schemeClr val="tx1"/>
+                </a:solidFill>
+                <a:latin typeface="+mn-lt"/>
+                <a:ea typeface="+mn-ea"/>
+                <a:cs typeface="+mn-cs"/>
+              </a:defRPr>
+            </a:lvl4pPr>
+            <a:lvl5pPr marL="2057400" indent="-228600" algn="l" defTabSz="914400" rtl="0" eaLnBrk="1" latinLnBrk="0" hangingPunct="1">
+              <a:spcBef>
+                <a:spcPts val="1200"/>
+              </a:spcBef>
+              <a:spcAft>
+                <a:spcPts val="1200"/>
+              </a:spcAft>
+              <a:buFont typeface="Arial" pitchFamily="34" charset="0"/>
+              <a:buChar char="»"/>
+              <a:defRPr sz="1800" kern="1200">
+                <a:solidFill>
+                  <a:schemeClr val="tx1"/>
+                </a:solidFill>
+                <a:latin typeface="+mn-lt"/>
+                <a:ea typeface="+mn-ea"/>
+                <a:cs typeface="+mn-cs"/>
+              </a:defRPr>
+            </a:lvl5pPr>
+            <a:lvl6pPr marL="2514600" indent="-228600" algn="l" defTabSz="914400" rtl="0" eaLnBrk="1" latinLnBrk="0" hangingPunct="1">
               <a:spcBef>
                 <a:spcPct val="20000"/>
               </a:spcBef>
-              <a:tabLst>
-                <a:tab pos="230188" algn="l"/>
-              </a:tabLst>
-              <a:defRPr/>
-            </a:pPr>
-            <a:r>
-              <a:rPr lang="en-CA" sz="2800" kern="0" dirty="0">
-                <a:solidFill>
-                  <a:srgbClr val="C00000"/>
+              <a:buFont typeface="Arial" pitchFamily="34" charset="0"/>
+              <a:buChar char="•"/>
+              <a:defRPr sz="2000" kern="1200">
+                <a:solidFill>
+                  <a:schemeClr val="tx1"/>
                 </a:solidFill>
                 <a:latin typeface="+mn-lt"/>
-              </a:rPr>
-              <a:t>merge</a:t>
-            </a:r>
-          </a:p>
-          <a:p>
-            <a:pPr marL="363538" indent="-363538" eaLnBrk="0" hangingPunct="0">
+                <a:ea typeface="+mn-ea"/>
+                <a:cs typeface="+mn-cs"/>
+              </a:defRPr>
+            </a:lvl6pPr>
+            <a:lvl7pPr marL="2971800" indent="-228600" algn="l" defTabSz="914400" rtl="0" eaLnBrk="1" latinLnBrk="0" hangingPunct="1">
               <a:spcBef>
                 <a:spcPct val="20000"/>
               </a:spcBef>
-              <a:buFont typeface="Wingdings" pitchFamily="2" charset="2"/>
-              <a:buChar char="§"/>
-              <a:tabLst>
-                <a:tab pos="230188" algn="l"/>
-              </a:tabLst>
-              <a:defRPr/>
-            </a:pPr>
-            <a:endParaRPr lang="en-CA" sz="2800" kern="0" dirty="0">
-              <a:solidFill>
-                <a:srgbClr val="C00000"/>
-              </a:solidFill>
-              <a:latin typeface="+mn-lt"/>
-            </a:endParaRPr>
-          </a:p>
-        </p:txBody>
-      </p:sp>
-      <p:sp>
-        <p:nvSpPr>
-          <p:cNvPr id="27" name="Oval 27"/>
-          <p:cNvSpPr>
-            <a:spLocks noChangeArrowheads="1"/>
-          </p:cNvSpPr>
-          <p:nvPr/>
-        </p:nvSpPr>
-        <p:spPr bwMode="auto">
-          <a:xfrm>
-            <a:off x="7029128" y="2936776"/>
-            <a:ext cx="304800" cy="304800"/>
-          </a:xfrm>
-          <a:prstGeom prst="ellipse">
-            <a:avLst/>
-          </a:prstGeom>
-          <a:solidFill>
-            <a:schemeClr val="accent1"/>
-          </a:solidFill>
-          <a:ln w="9525" algn="ctr">
-            <a:solidFill>
-              <a:schemeClr val="tx1"/>
-            </a:solidFill>
-            <a:round/>
-            <a:headEnd/>
-            <a:tailEnd/>
-          </a:ln>
-        </p:spPr>
-        <p:txBody>
-          <a:bodyPr lIns="0" tIns="0" rIns="0" bIns="0" anchor="ctr"/>
-          <a:lstStyle/>
-          <a:p>
-            <a:pPr algn="ctr" eaLnBrk="0" hangingPunct="0"/>
-            <a:r>
-              <a:rPr lang="en-CA" b="1">
-                <a:latin typeface="Times" pitchFamily="18" charset="0"/>
-              </a:rPr>
-              <a:t>6</a:t>
-            </a:r>
-          </a:p>
-        </p:txBody>
-      </p:sp>
-      <p:sp>
-        <p:nvSpPr>
-          <p:cNvPr id="28" name="Oval 28"/>
-          <p:cNvSpPr>
-            <a:spLocks noChangeArrowheads="1"/>
-          </p:cNvSpPr>
-          <p:nvPr/>
-        </p:nvSpPr>
-        <p:spPr bwMode="auto">
-          <a:xfrm>
-            <a:off x="7029128" y="1869976"/>
-            <a:ext cx="304800" cy="304800"/>
-          </a:xfrm>
-          <a:prstGeom prst="ellipse">
-            <a:avLst/>
-          </a:prstGeom>
-          <a:solidFill>
-            <a:schemeClr val="accent1"/>
-          </a:solidFill>
-          <a:ln w="9525" algn="ctr">
-            <a:solidFill>
-              <a:schemeClr val="tx1"/>
-            </a:solidFill>
-            <a:round/>
-            <a:headEnd/>
-            <a:tailEnd/>
-          </a:ln>
-        </p:spPr>
-        <p:txBody>
-          <a:bodyPr lIns="0" tIns="0" rIns="0" bIns="0" anchor="ctr"/>
-          <a:lstStyle/>
-          <a:p>
-            <a:pPr algn="ctr" eaLnBrk="0" hangingPunct="0"/>
-            <a:r>
-              <a:rPr lang="en-CA" sz="1600" b="1">
-                <a:latin typeface="Times" pitchFamily="18" charset="0"/>
-              </a:rPr>
-              <a:t>10</a:t>
-            </a:r>
-          </a:p>
-        </p:txBody>
-      </p:sp>
-      <p:cxnSp>
-        <p:nvCxnSpPr>
-          <p:cNvPr id="29" name="Shape 35"/>
-          <p:cNvCxnSpPr>
-            <a:cxnSpLocks noChangeShapeType="1"/>
-            <a:stCxn id="21" idx="0"/>
-            <a:endCxn id="27" idx="6"/>
-          </p:cNvCxnSpPr>
-          <p:nvPr/>
-        </p:nvCxnSpPr>
-        <p:spPr bwMode="auto">
-          <a:xfrm rot="16200000" flipV="1">
-            <a:off x="7486328" y="2936776"/>
-            <a:ext cx="152400" cy="457200"/>
-          </a:xfrm>
-          <a:prstGeom prst="curvedConnector2">
-            <a:avLst/>
-          </a:prstGeom>
-          <a:noFill/>
-          <a:ln w="38100" algn="ctr">
-            <a:solidFill>
-              <a:srgbClr val="FF0000"/>
-            </a:solidFill>
-            <a:round/>
-            <a:headEnd/>
-            <a:tailEnd type="arrow" w="med" len="med"/>
-          </a:ln>
-        </p:spPr>
-      </p:cxnSp>
+              <a:buFont typeface="Arial" pitchFamily="34" charset="0"/>
+              <a:buChar char="•"/>
+              <a:defRPr sz="2000" kern="1200">
+                <a:solidFill>
+                  <a:schemeClr val="tx1"/>
+                </a:solidFill>
+                <a:latin typeface="+mn-lt"/>
+                <a:ea typeface="+mn-ea"/>
+                <a:cs typeface="+mn-cs"/>
+              </a:defRPr>
+            </a:lvl7pPr>
+            <a:lvl8pPr marL="3429000" indent="-228600" algn="l" defTabSz="914400" rtl="0" eaLnBrk="1" latinLnBrk="0" hangingPunct="1">
+              <a:spcBef>
+                <a:spcPct val="20000"/>
+              </a:spcBef>
+              <a:buFont typeface="Arial" pitchFamily="34" charset="0"/>
+              <a:buChar char="•"/>
+              <a:defRPr sz="2000" kern="1200">
+                <a:solidFill>
+                  <a:schemeClr val="tx1"/>
+                </a:solidFill>
+                <a:latin typeface="+mn-lt"/>
+                <a:ea typeface="+mn-ea"/>
+                <a:cs typeface="+mn-cs"/>
+              </a:defRPr>
+            </a:lvl8pPr>
+            <a:lvl9pPr marL="3886200" indent="-228600" algn="l" defTabSz="914400" rtl="0" eaLnBrk="1" latinLnBrk="0" hangingPunct="1">
+              <a:spcBef>
+                <a:spcPct val="20000"/>
+              </a:spcBef>
+              <a:buFont typeface="Arial" pitchFamily="34" charset="0"/>
+              <a:buChar char="•"/>
+              <a:defRPr sz="2000" kern="1200">
+                <a:solidFill>
+                  <a:schemeClr val="tx1"/>
+                </a:solidFill>
+                <a:latin typeface="+mn-lt"/>
+                <a:ea typeface="+mn-ea"/>
+                <a:cs typeface="+mn-cs"/>
+              </a:defRPr>
+            </a:lvl9pPr>
+          </a:lstStyle>
+          <a:p>
+            <a:pPr>
+              <a:spcBef>
+                <a:spcPts val="0"/>
+              </a:spcBef>
+              <a:spcAft>
+                <a:spcPts val="0"/>
+              </a:spcAft>
+            </a:pPr>
+            <a:r>
+              <a:rPr lang="en-CA" dirty="0"/>
+              <a:t>One common server stores all versions</a:t>
+            </a:r>
+          </a:p>
+          <a:p>
+            <a:pPr>
+              <a:spcBef>
+                <a:spcPts val="0"/>
+              </a:spcBef>
+              <a:spcAft>
+                <a:spcPts val="0"/>
+              </a:spcAft>
+            </a:pPr>
+            <a:r>
+              <a:rPr lang="en-CA" dirty="0"/>
+              <a:t>Automatic merge of trivial changes (if a line is not modified by multiple people)</a:t>
+            </a:r>
+          </a:p>
+        </p:txBody>
+      </p:sp>
       <p:pic>
         <p:nvPicPr>
-          <p:cNvPr id="30" name="Picture 2"/>
+          <p:cNvPr id="37" name="Picture 5"/>
           <p:cNvPicPr>
             <a:picLocks noChangeAspect="1" noChangeArrowheads="1"/>
           </p:cNvPicPr>
@@ -26821,15 +27049,15 @@
               </a:ext>
             </a:extLst>
           </a:blip>
-          <a:srcRect/>
+          <a:srcRect r="43103" b="66512"/>
           <a:stretch>
             <a:fillRect/>
           </a:stretch>
         </p:blipFill>
         <p:spPr bwMode="auto">
           <a:xfrm>
-            <a:off x="1390328" y="2098576"/>
-            <a:ext cx="4286250" cy="3551238"/>
+            <a:off x="1331640" y="2631710"/>
+            <a:ext cx="6302553" cy="2946648"/>
           </a:xfrm>
           <a:prstGeom prst="rect">
             <a:avLst/>
@@ -26859,238 +27087,10 @@
           </a:extLst>
         </p:spPr>
       </p:pic>
-      <p:cxnSp>
-        <p:nvCxnSpPr>
-          <p:cNvPr id="32" name="Straight Arrow Connector 31"/>
-          <p:cNvCxnSpPr/>
-          <p:nvPr/>
-        </p:nvCxnSpPr>
-        <p:spPr bwMode="auto">
-          <a:xfrm rot="16200000" flipH="1">
-            <a:off x="1618928" y="1946176"/>
-            <a:ext cx="838200" cy="533400"/>
-          </a:xfrm>
-          <a:prstGeom prst="straightConnector1">
-            <a:avLst/>
-          </a:prstGeom>
-          <a:ln>
-            <a:solidFill>
-              <a:srgbClr val="C00000"/>
-            </a:solidFill>
-            <a:headEnd type="none" w="med" len="med"/>
-            <a:tailEnd type="arrow"/>
-          </a:ln>
-        </p:spPr>
-        <p:style>
-          <a:lnRef idx="2">
-            <a:schemeClr val="accent2"/>
-          </a:lnRef>
-          <a:fillRef idx="0">
-            <a:schemeClr val="accent2"/>
-          </a:fillRef>
-          <a:effectRef idx="1">
-            <a:schemeClr val="accent2"/>
-          </a:effectRef>
-          <a:fontRef idx="minor">
-            <a:schemeClr val="tx1"/>
-          </a:fontRef>
-        </p:style>
-      </p:cxnSp>
-      <p:sp>
-        <p:nvSpPr>
-          <p:cNvPr id="33" name="Content Placeholder 2"/>
-          <p:cNvSpPr txBox="1">
-            <a:spLocks/>
-          </p:cNvSpPr>
-          <p:nvPr/>
-        </p:nvSpPr>
-        <p:spPr bwMode="auto">
-          <a:xfrm>
-            <a:off x="3752528" y="1412776"/>
-            <a:ext cx="3124200" cy="609600"/>
-          </a:xfrm>
-          <a:prstGeom prst="rect">
-            <a:avLst/>
-          </a:prstGeom>
-          <a:noFill/>
-          <a:ln w="9525">
-            <a:noFill/>
-            <a:miter lim="800000"/>
-            <a:headEnd/>
-            <a:tailEnd/>
-          </a:ln>
-        </p:spPr>
-        <p:txBody>
-          <a:bodyPr lIns="0" tIns="0" rIns="0" bIns="0"/>
-          <a:lstStyle/>
-          <a:p>
-            <a:pPr marL="363538" indent="-363538" algn="ctr" eaLnBrk="0" hangingPunct="0">
-              <a:spcBef>
-                <a:spcPct val="20000"/>
-              </a:spcBef>
-              <a:tabLst>
-                <a:tab pos="230188" algn="l"/>
-              </a:tabLst>
-              <a:defRPr/>
-            </a:pPr>
-            <a:r>
-              <a:rPr lang="en-CA" sz="2800" kern="0" dirty="0">
-                <a:solidFill>
-                  <a:srgbClr val="C00000"/>
-                </a:solidFill>
-                <a:latin typeface="+mn-lt"/>
-              </a:rPr>
-              <a:t>My modifications</a:t>
-            </a:r>
-          </a:p>
-          <a:p>
-            <a:pPr marL="363538" indent="-363538" eaLnBrk="0" hangingPunct="0">
-              <a:spcBef>
-                <a:spcPct val="20000"/>
-              </a:spcBef>
-              <a:buFont typeface="Wingdings" pitchFamily="2" charset="2"/>
-              <a:buChar char="§"/>
-              <a:tabLst>
-                <a:tab pos="230188" algn="l"/>
-              </a:tabLst>
-              <a:defRPr/>
-            </a:pPr>
-            <a:endParaRPr lang="en-CA" sz="2800" kern="0" dirty="0">
-              <a:solidFill>
-                <a:srgbClr val="C00000"/>
-              </a:solidFill>
-              <a:latin typeface="+mn-lt"/>
-            </a:endParaRPr>
-          </a:p>
-        </p:txBody>
-      </p:sp>
-      <p:cxnSp>
-        <p:nvCxnSpPr>
-          <p:cNvPr id="34" name="Straight Arrow Connector 33"/>
-          <p:cNvCxnSpPr/>
-          <p:nvPr/>
-        </p:nvCxnSpPr>
-        <p:spPr bwMode="auto">
-          <a:xfrm rot="5400000">
-            <a:off x="4247828" y="1984276"/>
-            <a:ext cx="838200" cy="457200"/>
-          </a:xfrm>
-          <a:prstGeom prst="straightConnector1">
-            <a:avLst/>
-          </a:prstGeom>
-          <a:ln>
-            <a:solidFill>
-              <a:srgbClr val="C00000"/>
-            </a:solidFill>
-            <a:headEnd type="none" w="med" len="med"/>
-            <a:tailEnd type="arrow"/>
-          </a:ln>
-        </p:spPr>
-        <p:style>
-          <a:lnRef idx="2">
-            <a:schemeClr val="accent2"/>
-          </a:lnRef>
-          <a:fillRef idx="0">
-            <a:schemeClr val="accent2"/>
-          </a:fillRef>
-          <a:effectRef idx="1">
-            <a:schemeClr val="accent2"/>
-          </a:effectRef>
-          <a:fontRef idx="minor">
-            <a:schemeClr val="tx1"/>
-          </a:fontRef>
-        </p:style>
-      </p:cxnSp>
-      <p:cxnSp>
-        <p:nvCxnSpPr>
-          <p:cNvPr id="35" name="Straight Arrow Connector 34"/>
-          <p:cNvCxnSpPr/>
-          <p:nvPr/>
-        </p:nvCxnSpPr>
-        <p:spPr bwMode="auto">
-          <a:xfrm rot="5400000" flipH="1" flipV="1">
-            <a:off x="3295329" y="5527576"/>
-            <a:ext cx="457200" cy="3175"/>
-          </a:xfrm>
-          <a:prstGeom prst="straightConnector1">
-            <a:avLst/>
-          </a:prstGeom>
-          <a:ln>
-            <a:solidFill>
-              <a:srgbClr val="C00000"/>
-            </a:solidFill>
-            <a:headEnd type="none" w="med" len="med"/>
-            <a:tailEnd type="arrow"/>
-          </a:ln>
-        </p:spPr>
-        <p:style>
-          <a:lnRef idx="2">
-            <a:schemeClr val="accent2"/>
-          </a:lnRef>
-          <a:fillRef idx="0">
-            <a:schemeClr val="accent2"/>
-          </a:fillRef>
-          <a:effectRef idx="1">
-            <a:schemeClr val="accent2"/>
-          </a:effectRef>
-          <a:fontRef idx="minor">
-            <a:schemeClr val="tx1"/>
-          </a:fontRef>
-        </p:style>
-      </p:cxnSp>
-      <p:sp>
-        <p:nvSpPr>
-          <p:cNvPr id="36" name="Content Placeholder 2"/>
-          <p:cNvSpPr txBox="1">
-            <a:spLocks/>
-          </p:cNvSpPr>
-          <p:nvPr/>
-        </p:nvSpPr>
-        <p:spPr bwMode="auto">
-          <a:xfrm>
-            <a:off x="323528" y="1412776"/>
-            <a:ext cx="3352800" cy="609600"/>
-          </a:xfrm>
-          <a:prstGeom prst="rect">
-            <a:avLst/>
-          </a:prstGeom>
-          <a:noFill/>
-          <a:ln w="9525">
-            <a:noFill/>
-            <a:miter lim="800000"/>
-            <a:headEnd/>
-            <a:tailEnd/>
-          </a:ln>
-        </p:spPr>
-        <p:txBody>
-          <a:bodyPr lIns="0" tIns="0" rIns="0" bIns="0"/>
-          <a:lstStyle/>
-          <a:p>
-            <a:pPr marL="363538" indent="-363538" algn="ctr" eaLnBrk="0" hangingPunct="0">
-              <a:spcBef>
-                <a:spcPct val="20000"/>
-              </a:spcBef>
-              <a:tabLst>
-                <a:tab pos="230188" algn="l"/>
-              </a:tabLst>
-              <a:defRPr/>
-            </a:pPr>
-            <a:r>
-              <a:rPr lang="en-CA" sz="2800" kern="0" dirty="0">
-                <a:solidFill>
-                  <a:srgbClr val="C00000"/>
-                </a:solidFill>
-                <a:latin typeface="+mn-lt"/>
-              </a:rPr>
-              <a:t>Their modifications</a:t>
-            </a:r>
-          </a:p>
-        </p:txBody>
-      </p:sp>
     </p:spTree>
     <p:extLst>
       <p:ext uri="{BB962C8B-B14F-4D97-AF65-F5344CB8AC3E}">
-        <p14:creationId xmlns:p14="http://schemas.microsoft.com/office/powerpoint/2010/main" val="61738717"/>
+        <p14:creationId xmlns:p14="http://schemas.microsoft.com/office/powerpoint/2010/main" val="605342039"/>
       </p:ext>
     </p:extLst>
   </p:cSld>
